--- a/paper/图表(2).pptx
+++ b/paper/图表(2).pptx
@@ -6,15 +6,16 @@
   </p:sldMasterIdLst>
   <p:sldIdLst>
     <p:sldId id="258" r:id="rId3"/>
-    <p:sldId id="256" r:id="rId4"/>
-    <p:sldId id="257" r:id="rId5"/>
-    <p:sldId id="259" r:id="rId6"/>
-    <p:sldId id="260" r:id="rId7"/>
+    <p:sldId id="263" r:id="rId4"/>
+    <p:sldId id="256" r:id="rId5"/>
+    <p:sldId id="257" r:id="rId6"/>
+    <p:sldId id="259" r:id="rId7"/>
+    <p:sldId id="260" r:id="rId8"/>
   </p:sldIdLst>
   <p:sldSz cx="6858000" cy="9903460" type="A4"/>
   <p:notesSz cx="6858000" cy="9144000"/>
   <p:custDataLst>
-    <p:tags r:id="rId11"/>
+    <p:tags r:id="rId12"/>
   </p:custDataLst>
   <p:defaultTextStyle>
     <a:defPPr>
@@ -5979,6 +5980,2566 @@
 <file path=ppt/slides/slide2.xml><?xml version="1.0" encoding="utf-8"?>
 <p:sld xmlns:a="http://schemas.openxmlformats.org/drawingml/2006/main" xmlns:r="http://schemas.openxmlformats.org/officeDocument/2006/relationships" xmlns:p="http://schemas.openxmlformats.org/presentationml/2006/main">
   <p:cSld>
+    <p:bg>
+      <p:bgPr>
+        <a:solidFill>
+          <a:schemeClr val="bg1"/>
+        </a:solidFill>
+        <a:effectLst/>
+      </p:bgPr>
+    </p:bg>
+    <p:spTree>
+      <p:nvGrpSpPr>
+        <p:cNvPr id="1" name=""/>
+        <p:cNvGrpSpPr/>
+        <p:nvPr/>
+      </p:nvGrpSpPr>
+      <p:grpSpPr/>
+      <p:grpSp>
+        <p:nvGrpSpPr>
+          <p:cNvPr id="67" name="组合 66"/>
+          <p:cNvGrpSpPr/>
+          <p:nvPr/>
+        </p:nvGrpSpPr>
+        <p:grpSpPr>
+          <a:xfrm>
+            <a:off x="879475" y="2438400"/>
+            <a:ext cx="4839335" cy="2839085"/>
+            <a:chOff x="1385" y="3840"/>
+            <a:chExt cx="7621" cy="4471"/>
+          </a:xfrm>
+        </p:grpSpPr>
+        <p:sp>
+          <p:nvSpPr>
+            <p:cNvPr id="4" name="矩形 3"/>
+            <p:cNvSpPr/>
+            <p:nvPr/>
+          </p:nvSpPr>
+          <p:spPr>
+            <a:xfrm>
+              <a:off x="1512" y="3840"/>
+              <a:ext cx="3163" cy="4471"/>
+            </a:xfrm>
+            <a:prstGeom prst="rect">
+              <a:avLst/>
+            </a:prstGeom>
+            <a:solidFill>
+              <a:schemeClr val="accent1">
+                <a:lumMod val="20000"/>
+                <a:lumOff val="80000"/>
+              </a:schemeClr>
+            </a:solidFill>
+          </p:spPr>
+          <p:style>
+            <a:lnRef idx="2">
+              <a:schemeClr val="accent1">
+                <a:lumMod val="75000"/>
+              </a:schemeClr>
+            </a:lnRef>
+            <a:fillRef idx="1">
+              <a:schemeClr val="accent1"/>
+            </a:fillRef>
+            <a:effectRef idx="0">
+              <a:srgbClr val="FFFFFF"/>
+            </a:effectRef>
+            <a:fontRef idx="minor">
+              <a:schemeClr val="lt1"/>
+            </a:fontRef>
+          </p:style>
+          <p:txBody>
+            <a:bodyPr rtlCol="0" anchor="t" anchorCtr="0"/>
+            <a:p>
+              <a:pPr algn="ctr"/>
+              <a:r>
+                <a:rPr lang="en-US" altLang="zh-CN" sz="1000">
+                  <a:solidFill>
+                    <a:schemeClr val="tx1"/>
+                  </a:solidFill>
+                  <a:latin typeface="Times New Roman" panose="02020603050405020304" charset="0"/>
+                  <a:cs typeface="Times New Roman" panose="02020603050405020304" charset="0"/>
+                </a:rPr>
+                <a:t>setup/keygen/sigining</a:t>
+              </a:r>
+              <a:endParaRPr lang="en-US" altLang="zh-CN" sz="1000">
+                <a:solidFill>
+                  <a:schemeClr val="tx1"/>
+                </a:solidFill>
+                <a:latin typeface="Times New Roman" panose="02020603050405020304" charset="0"/>
+                <a:cs typeface="Times New Roman" panose="02020603050405020304" charset="0"/>
+              </a:endParaRPr>
+            </a:p>
+          </p:txBody>
+        </p:sp>
+        <p:sp>
+          <p:nvSpPr>
+            <p:cNvPr id="5" name="矩形 4"/>
+            <p:cNvSpPr/>
+            <p:nvPr/>
+          </p:nvSpPr>
+          <p:spPr>
+            <a:xfrm>
+              <a:off x="1840" y="4334"/>
+              <a:ext cx="2743" cy="1613"/>
+            </a:xfrm>
+            <a:prstGeom prst="rect">
+              <a:avLst/>
+            </a:prstGeom>
+            <a:solidFill>
+              <a:schemeClr val="accent1">
+                <a:lumMod val="40000"/>
+                <a:lumOff val="60000"/>
+              </a:schemeClr>
+            </a:solidFill>
+          </p:spPr>
+          <p:style>
+            <a:lnRef idx="2">
+              <a:schemeClr val="accent1">
+                <a:lumMod val="75000"/>
+              </a:schemeClr>
+            </a:lnRef>
+            <a:fillRef idx="1">
+              <a:schemeClr val="accent1"/>
+            </a:fillRef>
+            <a:effectRef idx="0">
+              <a:srgbClr val="FFFFFF"/>
+            </a:effectRef>
+            <a:fontRef idx="minor">
+              <a:schemeClr val="lt1"/>
+            </a:fontRef>
+          </p:style>
+          <p:txBody>
+            <a:bodyPr rtlCol="0" anchor="t" anchorCtr="0"/>
+            <a:p>
+              <a:pPr algn="ctr"/>
+              <a:r>
+                <a:rPr lang="en-US" altLang="zh-CN" sz="1000">
+                  <a:solidFill>
+                    <a:schemeClr val="tx1"/>
+                  </a:solidFill>
+                  <a:latin typeface="Times New Roman" panose="02020603050405020304" charset="0"/>
+                  <a:cs typeface="Times New Roman" panose="02020603050405020304" charset="0"/>
+                </a:rPr>
+                <a:t>LocalParty</a:t>
+              </a:r>
+              <a:endParaRPr lang="en-US" altLang="zh-CN" sz="1000">
+                <a:solidFill>
+                  <a:schemeClr val="tx1"/>
+                </a:solidFill>
+                <a:latin typeface="Times New Roman" panose="02020603050405020304" charset="0"/>
+                <a:cs typeface="Times New Roman" panose="02020603050405020304" charset="0"/>
+              </a:endParaRPr>
+            </a:p>
+          </p:txBody>
+        </p:sp>
+        <p:grpSp>
+          <p:nvGrpSpPr>
+            <p:cNvPr id="30" name="组合 29"/>
+            <p:cNvGrpSpPr/>
+            <p:nvPr/>
+          </p:nvGrpSpPr>
+          <p:grpSpPr>
+            <a:xfrm>
+              <a:off x="2272" y="6390"/>
+              <a:ext cx="2040" cy="1756"/>
+              <a:chOff x="1914" y="5499"/>
+              <a:chExt cx="1362" cy="1756"/>
+            </a:xfrm>
+          </p:grpSpPr>
+          <p:sp>
+            <p:nvSpPr>
+              <p:cNvPr id="6" name="矩形 5"/>
+              <p:cNvSpPr/>
+              <p:nvPr/>
+            </p:nvSpPr>
+            <p:spPr>
+              <a:xfrm>
+                <a:off x="1914" y="5499"/>
+                <a:ext cx="1363" cy="1756"/>
+              </a:xfrm>
+              <a:prstGeom prst="rect">
+                <a:avLst/>
+              </a:prstGeom>
+              <a:solidFill>
+                <a:schemeClr val="accent1">
+                  <a:lumMod val="40000"/>
+                  <a:lumOff val="60000"/>
+                </a:schemeClr>
+              </a:solidFill>
+            </p:spPr>
+            <p:style>
+              <a:lnRef idx="2">
+                <a:schemeClr val="accent1">
+                  <a:lumMod val="75000"/>
+                </a:schemeClr>
+              </a:lnRef>
+              <a:fillRef idx="1">
+                <a:schemeClr val="accent1"/>
+              </a:fillRef>
+              <a:effectRef idx="0">
+                <a:srgbClr val="FFFFFF"/>
+              </a:effectRef>
+              <a:fontRef idx="minor">
+                <a:schemeClr val="lt1"/>
+              </a:fontRef>
+            </p:style>
+            <p:txBody>
+              <a:bodyPr rtlCol="0" anchor="t" anchorCtr="0"/>
+              <a:p>
+                <a:pPr algn="ctr"/>
+                <a:r>
+                  <a:rPr lang="en-US" altLang="zh-CN" sz="1000">
+                    <a:solidFill>
+                      <a:schemeClr val="tx1"/>
+                    </a:solidFill>
+                    <a:latin typeface="Times New Roman" panose="02020603050405020304" charset="0"/>
+                    <a:cs typeface="Times New Roman" panose="02020603050405020304" charset="0"/>
+                  </a:rPr>
+                  <a:t>Rounds</a:t>
+                </a:r>
+                <a:endParaRPr lang="en-US" altLang="zh-CN" sz="1000">
+                  <a:solidFill>
+                    <a:schemeClr val="tx1"/>
+                  </a:solidFill>
+                  <a:latin typeface="Times New Roman" panose="02020603050405020304" charset="0"/>
+                  <a:cs typeface="Times New Roman" panose="02020603050405020304" charset="0"/>
+                </a:endParaRPr>
+              </a:p>
+            </p:txBody>
+          </p:sp>
+          <p:sp>
+            <p:nvSpPr>
+              <p:cNvPr id="7" name="矩形 6"/>
+              <p:cNvSpPr/>
+              <p:nvPr/>
+            </p:nvSpPr>
+            <p:spPr>
+              <a:xfrm>
+                <a:off x="1999" y="5929"/>
+                <a:ext cx="1115" cy="313"/>
+              </a:xfrm>
+              <a:prstGeom prst="rect">
+                <a:avLst/>
+              </a:prstGeom>
+              <a:solidFill>
+                <a:schemeClr val="accent3">
+                  <a:lumMod val="20000"/>
+                  <a:lumOff val="80000"/>
+                </a:schemeClr>
+              </a:solidFill>
+            </p:spPr>
+            <p:style>
+              <a:lnRef idx="2">
+                <a:schemeClr val="accent1">
+                  <a:lumMod val="75000"/>
+                </a:schemeClr>
+              </a:lnRef>
+              <a:fillRef idx="1">
+                <a:schemeClr val="accent1"/>
+              </a:fillRef>
+              <a:effectRef idx="0">
+                <a:srgbClr val="FFFFFF"/>
+              </a:effectRef>
+              <a:fontRef idx="minor">
+                <a:schemeClr val="lt1"/>
+              </a:fontRef>
+            </p:style>
+            <p:txBody>
+              <a:bodyPr rtlCol="0" anchor="ctr" anchorCtr="0"/>
+              <a:p>
+                <a:pPr algn="ctr"/>
+                <a:r>
+                  <a:rPr lang="en-US" altLang="zh-CN" sz="1000">
+                    <a:solidFill>
+                      <a:schemeClr val="tx1"/>
+                    </a:solidFill>
+                    <a:latin typeface="Times New Roman" panose="02020603050405020304" charset="0"/>
+                    <a:cs typeface="Times New Roman" panose="02020603050405020304" charset="0"/>
+                  </a:rPr>
+                  <a:t>round1(runing)</a:t>
+                </a:r>
+                <a:endParaRPr lang="en-US" altLang="zh-CN" sz="1000">
+                  <a:solidFill>
+                    <a:schemeClr val="tx1"/>
+                  </a:solidFill>
+                  <a:latin typeface="Times New Roman" panose="02020603050405020304" charset="0"/>
+                  <a:cs typeface="Times New Roman" panose="02020603050405020304" charset="0"/>
+                </a:endParaRPr>
+              </a:p>
+            </p:txBody>
+          </p:sp>
+          <p:sp>
+            <p:nvSpPr>
+              <p:cNvPr id="8" name="矩形 7"/>
+              <p:cNvSpPr/>
+              <p:nvPr/>
+            </p:nvSpPr>
+            <p:spPr>
+              <a:xfrm>
+                <a:off x="1999" y="6241"/>
+                <a:ext cx="1115" cy="313"/>
+              </a:xfrm>
+              <a:prstGeom prst="rect">
+                <a:avLst/>
+              </a:prstGeom>
+              <a:solidFill>
+                <a:schemeClr val="accent1">
+                  <a:lumMod val="60000"/>
+                  <a:lumOff val="40000"/>
+                </a:schemeClr>
+              </a:solidFill>
+            </p:spPr>
+            <p:style>
+              <a:lnRef idx="2">
+                <a:schemeClr val="accent1">
+                  <a:lumMod val="75000"/>
+                </a:schemeClr>
+              </a:lnRef>
+              <a:fillRef idx="1">
+                <a:schemeClr val="accent1"/>
+              </a:fillRef>
+              <a:effectRef idx="0">
+                <a:srgbClr val="FFFFFF"/>
+              </a:effectRef>
+              <a:fontRef idx="minor">
+                <a:schemeClr val="lt1"/>
+              </a:fontRef>
+            </p:style>
+            <p:txBody>
+              <a:bodyPr rtlCol="0" anchor="ctr" anchorCtr="0"/>
+              <a:p>
+                <a:pPr algn="ctr"/>
+                <a:r>
+                  <a:rPr lang="en-US" altLang="zh-CN" sz="1000">
+                    <a:solidFill>
+                      <a:schemeClr val="tx1"/>
+                    </a:solidFill>
+                    <a:latin typeface="Times New Roman" panose="02020603050405020304" charset="0"/>
+                    <a:cs typeface="Times New Roman" panose="02020603050405020304" charset="0"/>
+                  </a:rPr>
+                  <a:t>round2</a:t>
+                </a:r>
+                <a:endParaRPr lang="en-US" altLang="zh-CN" sz="1000">
+                  <a:solidFill>
+                    <a:schemeClr val="tx1"/>
+                  </a:solidFill>
+                  <a:latin typeface="Times New Roman" panose="02020603050405020304" charset="0"/>
+                  <a:cs typeface="Times New Roman" panose="02020603050405020304" charset="0"/>
+                </a:endParaRPr>
+              </a:p>
+            </p:txBody>
+          </p:sp>
+          <p:sp>
+            <p:nvSpPr>
+              <p:cNvPr id="9" name="矩形 8"/>
+              <p:cNvSpPr/>
+              <p:nvPr/>
+            </p:nvSpPr>
+            <p:spPr>
+              <a:xfrm>
+                <a:off x="1999" y="6554"/>
+                <a:ext cx="1115" cy="313"/>
+              </a:xfrm>
+              <a:prstGeom prst="rect">
+                <a:avLst/>
+              </a:prstGeom>
+              <a:solidFill>
+                <a:schemeClr val="accent1">
+                  <a:lumMod val="60000"/>
+                  <a:lumOff val="40000"/>
+                </a:schemeClr>
+              </a:solidFill>
+            </p:spPr>
+            <p:style>
+              <a:lnRef idx="2">
+                <a:schemeClr val="accent1">
+                  <a:lumMod val="75000"/>
+                </a:schemeClr>
+              </a:lnRef>
+              <a:fillRef idx="1">
+                <a:schemeClr val="accent1"/>
+              </a:fillRef>
+              <a:effectRef idx="0">
+                <a:srgbClr val="FFFFFF"/>
+              </a:effectRef>
+              <a:fontRef idx="minor">
+                <a:schemeClr val="lt1"/>
+              </a:fontRef>
+            </p:style>
+            <p:txBody>
+              <a:bodyPr rtlCol="0" anchor="ctr" anchorCtr="0"/>
+              <a:p>
+                <a:pPr algn="ctr"/>
+                <a:r>
+                  <a:rPr lang="en-US" altLang="zh-CN" sz="1000">
+                    <a:solidFill>
+                      <a:schemeClr val="tx1"/>
+                    </a:solidFill>
+                    <a:latin typeface="Times New Roman" panose="02020603050405020304" charset="0"/>
+                    <a:cs typeface="Times New Roman" panose="02020603050405020304" charset="0"/>
+                  </a:rPr>
+                  <a:t>round3</a:t>
+                </a:r>
+                <a:endParaRPr lang="en-US" altLang="zh-CN" sz="1000">
+                  <a:solidFill>
+                    <a:schemeClr val="tx1"/>
+                  </a:solidFill>
+                  <a:latin typeface="Times New Roman" panose="02020603050405020304" charset="0"/>
+                  <a:cs typeface="Times New Roman" panose="02020603050405020304" charset="0"/>
+                </a:endParaRPr>
+              </a:p>
+            </p:txBody>
+          </p:sp>
+          <p:sp>
+            <p:nvSpPr>
+              <p:cNvPr id="10" name="矩形 9"/>
+              <p:cNvSpPr/>
+              <p:nvPr/>
+            </p:nvSpPr>
+            <p:spPr>
+              <a:xfrm>
+                <a:off x="1999" y="6867"/>
+                <a:ext cx="1115" cy="313"/>
+              </a:xfrm>
+              <a:prstGeom prst="rect">
+                <a:avLst/>
+              </a:prstGeom>
+              <a:solidFill>
+                <a:schemeClr val="accent1">
+                  <a:lumMod val="60000"/>
+                  <a:lumOff val="40000"/>
+                </a:schemeClr>
+              </a:solidFill>
+            </p:spPr>
+            <p:style>
+              <a:lnRef idx="2">
+                <a:schemeClr val="accent1">
+                  <a:lumMod val="75000"/>
+                </a:schemeClr>
+              </a:lnRef>
+              <a:fillRef idx="1">
+                <a:schemeClr val="accent1"/>
+              </a:fillRef>
+              <a:effectRef idx="0">
+                <a:srgbClr val="FFFFFF"/>
+              </a:effectRef>
+              <a:fontRef idx="minor">
+                <a:schemeClr val="lt1"/>
+              </a:fontRef>
+            </p:style>
+            <p:txBody>
+              <a:bodyPr rtlCol="0" anchor="ctr" anchorCtr="0"/>
+              <a:p>
+                <a:pPr algn="ctr"/>
+                <a:r>
+                  <a:rPr lang="en-US" altLang="zh-CN" sz="1000">
+                    <a:solidFill>
+                      <a:schemeClr val="tx1"/>
+                    </a:solidFill>
+                    <a:latin typeface="Times New Roman" panose="02020603050405020304" charset="0"/>
+                    <a:cs typeface="Times New Roman" panose="02020603050405020304" charset="0"/>
+                  </a:rPr>
+                  <a:t>...</a:t>
+                </a:r>
+                <a:endParaRPr lang="en-US" altLang="zh-CN" sz="1000">
+                  <a:solidFill>
+                    <a:schemeClr val="tx1"/>
+                  </a:solidFill>
+                  <a:latin typeface="Times New Roman" panose="02020603050405020304" charset="0"/>
+                  <a:cs typeface="Times New Roman" panose="02020603050405020304" charset="0"/>
+                </a:endParaRPr>
+              </a:p>
+            </p:txBody>
+          </p:sp>
+        </p:grpSp>
+        <p:sp>
+          <p:nvSpPr>
+            <p:cNvPr id="11" name="矩形 10"/>
+            <p:cNvSpPr/>
+            <p:nvPr/>
+          </p:nvSpPr>
+          <p:spPr>
+            <a:xfrm>
+              <a:off x="1940" y="5459"/>
+              <a:ext cx="1114" cy="351"/>
+            </a:xfrm>
+            <a:prstGeom prst="rect">
+              <a:avLst/>
+            </a:prstGeom>
+            <a:solidFill>
+              <a:schemeClr val="accent1">
+                <a:lumMod val="60000"/>
+                <a:lumOff val="40000"/>
+              </a:schemeClr>
+            </a:solidFill>
+          </p:spPr>
+          <p:style>
+            <a:lnRef idx="2">
+              <a:schemeClr val="accent1">
+                <a:lumMod val="75000"/>
+              </a:schemeClr>
+            </a:lnRef>
+            <a:fillRef idx="1">
+              <a:schemeClr val="accent1"/>
+            </a:fillRef>
+            <a:effectRef idx="0">
+              <a:srgbClr val="FFFFFF"/>
+            </a:effectRef>
+            <a:fontRef idx="minor">
+              <a:schemeClr val="lt1"/>
+            </a:fontRef>
+          </p:style>
+          <p:txBody>
+            <a:bodyPr rtlCol="0" anchor="t" anchorCtr="0"/>
+            <a:p>
+              <a:pPr algn="ctr"/>
+              <a:r>
+                <a:rPr lang="en-US" altLang="zh-CN" sz="1000">
+                  <a:solidFill>
+                    <a:schemeClr val="tx1"/>
+                  </a:solidFill>
+                  <a:latin typeface="Times New Roman" panose="02020603050405020304" charset="0"/>
+                  <a:cs typeface="Times New Roman" panose="02020603050405020304" charset="0"/>
+                </a:rPr>
+                <a:t>temp</a:t>
+              </a:r>
+              <a:endParaRPr lang="en-US" altLang="zh-CN" sz="1000">
+                <a:solidFill>
+                  <a:schemeClr val="tx1"/>
+                </a:solidFill>
+                <a:latin typeface="Times New Roman" panose="02020603050405020304" charset="0"/>
+                <a:cs typeface="Times New Roman" panose="02020603050405020304" charset="0"/>
+              </a:endParaRPr>
+            </a:p>
+          </p:txBody>
+        </p:sp>
+        <p:sp>
+          <p:nvSpPr>
+            <p:cNvPr id="12" name="矩形 11"/>
+            <p:cNvSpPr/>
+            <p:nvPr/>
+          </p:nvSpPr>
+          <p:spPr>
+            <a:xfrm>
+              <a:off x="1939" y="5086"/>
+              <a:ext cx="1115" cy="313"/>
+            </a:xfrm>
+            <a:prstGeom prst="rect">
+              <a:avLst/>
+            </a:prstGeom>
+            <a:solidFill>
+              <a:schemeClr val="accent1">
+                <a:lumMod val="60000"/>
+                <a:lumOff val="40000"/>
+              </a:schemeClr>
+            </a:solidFill>
+          </p:spPr>
+          <p:style>
+            <a:lnRef idx="2">
+              <a:schemeClr val="accent1">
+                <a:lumMod val="75000"/>
+              </a:schemeClr>
+            </a:lnRef>
+            <a:fillRef idx="1">
+              <a:schemeClr val="accent1"/>
+            </a:fillRef>
+            <a:effectRef idx="0">
+              <a:srgbClr val="FFFFFF"/>
+            </a:effectRef>
+            <a:fontRef idx="minor">
+              <a:schemeClr val="lt1"/>
+            </a:fontRef>
+          </p:style>
+          <p:txBody>
+            <a:bodyPr rtlCol="0" anchor="ctr" anchorCtr="0"/>
+            <a:p>
+              <a:pPr algn="ctr"/>
+              <a:r>
+                <a:rPr lang="en-US" altLang="zh-CN" sz="1000">
+                  <a:solidFill>
+                    <a:schemeClr val="tx1"/>
+                  </a:solidFill>
+                  <a:latin typeface="Times New Roman" panose="02020603050405020304" charset="0"/>
+                  <a:cs typeface="Times New Roman" panose="02020603050405020304" charset="0"/>
+                </a:rPr>
+                <a:t>data</a:t>
+              </a:r>
+              <a:endParaRPr lang="en-US" altLang="zh-CN" sz="1000">
+                <a:solidFill>
+                  <a:schemeClr val="tx1"/>
+                </a:solidFill>
+                <a:latin typeface="Times New Roman" panose="02020603050405020304" charset="0"/>
+                <a:cs typeface="Times New Roman" panose="02020603050405020304" charset="0"/>
+              </a:endParaRPr>
+            </a:p>
+          </p:txBody>
+        </p:sp>
+        <p:sp>
+          <p:nvSpPr>
+            <p:cNvPr id="13" name="矩形 12"/>
+            <p:cNvSpPr/>
+            <p:nvPr/>
+          </p:nvSpPr>
+          <p:spPr>
+            <a:xfrm>
+              <a:off x="1939" y="4713"/>
+              <a:ext cx="1115" cy="313"/>
+            </a:xfrm>
+            <a:prstGeom prst="rect">
+              <a:avLst/>
+            </a:prstGeom>
+            <a:solidFill>
+              <a:schemeClr val="accent1">
+                <a:lumMod val="60000"/>
+                <a:lumOff val="40000"/>
+              </a:schemeClr>
+            </a:solidFill>
+          </p:spPr>
+          <p:style>
+            <a:lnRef idx="2">
+              <a:schemeClr val="accent1">
+                <a:lumMod val="75000"/>
+              </a:schemeClr>
+            </a:lnRef>
+            <a:fillRef idx="1">
+              <a:schemeClr val="accent1"/>
+            </a:fillRef>
+            <a:effectRef idx="0">
+              <a:srgbClr val="FFFFFF"/>
+            </a:effectRef>
+            <a:fontRef idx="minor">
+              <a:schemeClr val="lt1"/>
+            </a:fontRef>
+          </p:style>
+          <p:txBody>
+            <a:bodyPr rtlCol="0" anchor="ctr" anchorCtr="0"/>
+            <a:p>
+              <a:pPr algn="ctr"/>
+              <a:r>
+                <a:rPr lang="en-US" altLang="zh-CN" sz="1000">
+                  <a:solidFill>
+                    <a:schemeClr val="tx1"/>
+                  </a:solidFill>
+                  <a:latin typeface="Times New Roman" panose="02020603050405020304" charset="0"/>
+                  <a:cs typeface="Times New Roman" panose="02020603050405020304" charset="0"/>
+                </a:rPr>
+                <a:t>params</a:t>
+              </a:r>
+              <a:endParaRPr lang="en-US" altLang="zh-CN" sz="1000">
+                <a:solidFill>
+                  <a:schemeClr val="tx1"/>
+                </a:solidFill>
+                <a:latin typeface="Times New Roman" panose="02020603050405020304" charset="0"/>
+                <a:cs typeface="Times New Roman" panose="02020603050405020304" charset="0"/>
+              </a:endParaRPr>
+            </a:p>
+          </p:txBody>
+        </p:sp>
+        <p:sp>
+          <p:nvSpPr>
+            <p:cNvPr id="14" name="矩形 13"/>
+            <p:cNvSpPr/>
+            <p:nvPr/>
+          </p:nvSpPr>
+          <p:spPr>
+            <a:xfrm>
+              <a:off x="3571" y="4713"/>
+              <a:ext cx="1013" cy="313"/>
+            </a:xfrm>
+            <a:prstGeom prst="rect">
+              <a:avLst/>
+            </a:prstGeom>
+            <a:solidFill>
+              <a:schemeClr val="accent5">
+                <a:lumMod val="20000"/>
+                <a:lumOff val="80000"/>
+              </a:schemeClr>
+            </a:solidFill>
+            <a:ln>
+              <a:solidFill>
+                <a:schemeClr val="accent4">
+                  <a:lumMod val="75000"/>
+                </a:schemeClr>
+              </a:solidFill>
+            </a:ln>
+          </p:spPr>
+          <p:style>
+            <a:lnRef idx="2">
+              <a:schemeClr val="accent1">
+                <a:lumMod val="75000"/>
+              </a:schemeClr>
+            </a:lnRef>
+            <a:fillRef idx="1">
+              <a:schemeClr val="accent1"/>
+            </a:fillRef>
+            <a:effectRef idx="0">
+              <a:srgbClr val="FFFFFF"/>
+            </a:effectRef>
+            <a:fontRef idx="minor">
+              <a:schemeClr val="lt1"/>
+            </a:fontRef>
+          </p:style>
+          <p:txBody>
+            <a:bodyPr rtlCol="0" anchor="ctr" anchorCtr="0"/>
+            <a:p>
+              <a:pPr algn="ctr"/>
+              <a:r>
+                <a:rPr lang="en-US" altLang="zh-CN" sz="1000">
+                  <a:solidFill>
+                    <a:schemeClr val="tx1"/>
+                  </a:solidFill>
+                  <a:latin typeface="Times New Roman" panose="02020603050405020304" charset="0"/>
+                  <a:cs typeface="Times New Roman" panose="02020603050405020304" charset="0"/>
+                </a:rPr>
+                <a:t>outCh</a:t>
+              </a:r>
+              <a:endParaRPr lang="en-US" altLang="zh-CN" sz="1000">
+                <a:solidFill>
+                  <a:schemeClr val="tx1"/>
+                </a:solidFill>
+                <a:latin typeface="Times New Roman" panose="02020603050405020304" charset="0"/>
+                <a:cs typeface="Times New Roman" panose="02020603050405020304" charset="0"/>
+              </a:endParaRPr>
+            </a:p>
+          </p:txBody>
+        </p:sp>
+        <p:sp>
+          <p:nvSpPr>
+            <p:cNvPr id="15" name="矩形 14"/>
+            <p:cNvSpPr/>
+            <p:nvPr/>
+          </p:nvSpPr>
+          <p:spPr>
+            <a:xfrm>
+              <a:off x="3411" y="5634"/>
+              <a:ext cx="1012" cy="313"/>
+            </a:xfrm>
+            <a:prstGeom prst="rect">
+              <a:avLst/>
+            </a:prstGeom>
+            <a:solidFill>
+              <a:schemeClr val="accent5">
+                <a:lumMod val="20000"/>
+                <a:lumOff val="80000"/>
+              </a:schemeClr>
+            </a:solidFill>
+            <a:ln>
+              <a:solidFill>
+                <a:schemeClr val="accent4">
+                  <a:lumMod val="75000"/>
+                </a:schemeClr>
+              </a:solidFill>
+            </a:ln>
+          </p:spPr>
+          <p:style>
+            <a:lnRef idx="2">
+              <a:schemeClr val="accent1">
+                <a:lumMod val="75000"/>
+              </a:schemeClr>
+            </a:lnRef>
+            <a:fillRef idx="1">
+              <a:schemeClr val="accent1"/>
+            </a:fillRef>
+            <a:effectRef idx="0">
+              <a:srgbClr val="FFFFFF"/>
+            </a:effectRef>
+            <a:fontRef idx="minor">
+              <a:schemeClr val="lt1"/>
+            </a:fontRef>
+          </p:style>
+          <p:txBody>
+            <a:bodyPr rtlCol="0" anchor="ctr" anchorCtr="0"/>
+            <a:p>
+              <a:pPr algn="ctr"/>
+              <a:r>
+                <a:rPr lang="en-US" altLang="zh-CN" sz="1000">
+                  <a:solidFill>
+                    <a:schemeClr val="tx1"/>
+                  </a:solidFill>
+                  <a:latin typeface="Times New Roman" panose="02020603050405020304" charset="0"/>
+                  <a:cs typeface="Times New Roman" panose="02020603050405020304" charset="0"/>
+                </a:rPr>
+                <a:t>endCh</a:t>
+              </a:r>
+              <a:endParaRPr lang="en-US" altLang="zh-CN" sz="1000">
+                <a:solidFill>
+                  <a:schemeClr val="tx1"/>
+                </a:solidFill>
+                <a:latin typeface="Times New Roman" panose="02020603050405020304" charset="0"/>
+                <a:cs typeface="Times New Roman" panose="02020603050405020304" charset="0"/>
+              </a:endParaRPr>
+            </a:p>
+          </p:txBody>
+        </p:sp>
+        <p:sp>
+          <p:nvSpPr>
+            <p:cNvPr id="31" name="矩形 30"/>
+            <p:cNvSpPr/>
+            <p:nvPr/>
+          </p:nvSpPr>
+          <p:spPr>
+            <a:xfrm>
+              <a:off x="5843" y="3840"/>
+              <a:ext cx="3163" cy="4471"/>
+            </a:xfrm>
+            <a:prstGeom prst="rect">
+              <a:avLst/>
+            </a:prstGeom>
+            <a:solidFill>
+              <a:schemeClr val="accent1">
+                <a:lumMod val="20000"/>
+                <a:lumOff val="80000"/>
+              </a:schemeClr>
+            </a:solidFill>
+          </p:spPr>
+          <p:style>
+            <a:lnRef idx="2">
+              <a:schemeClr val="accent1">
+                <a:lumMod val="75000"/>
+              </a:schemeClr>
+            </a:lnRef>
+            <a:fillRef idx="1">
+              <a:schemeClr val="accent1"/>
+            </a:fillRef>
+            <a:effectRef idx="0">
+              <a:srgbClr val="FFFFFF"/>
+            </a:effectRef>
+            <a:fontRef idx="minor">
+              <a:schemeClr val="lt1"/>
+            </a:fontRef>
+          </p:style>
+          <p:txBody>
+            <a:bodyPr rtlCol="0" anchor="t" anchorCtr="0"/>
+            <a:p>
+              <a:pPr algn="ctr"/>
+              <a:r>
+                <a:rPr lang="en-US" altLang="zh-CN" sz="1000">
+                  <a:solidFill>
+                    <a:schemeClr val="tx1"/>
+                  </a:solidFill>
+                  <a:latin typeface="Times New Roman" panose="02020603050405020304" charset="0"/>
+                  <a:cs typeface="Times New Roman" panose="02020603050405020304" charset="0"/>
+                </a:rPr>
+                <a:t>setup/keygen/sigining</a:t>
+              </a:r>
+              <a:endParaRPr lang="en-US" altLang="zh-CN" sz="1000">
+                <a:solidFill>
+                  <a:schemeClr val="tx1"/>
+                </a:solidFill>
+                <a:latin typeface="Times New Roman" panose="02020603050405020304" charset="0"/>
+                <a:cs typeface="Times New Roman" panose="02020603050405020304" charset="0"/>
+              </a:endParaRPr>
+            </a:p>
+          </p:txBody>
+        </p:sp>
+        <p:sp>
+          <p:nvSpPr>
+            <p:cNvPr id="32" name="矩形 31"/>
+            <p:cNvSpPr/>
+            <p:nvPr/>
+          </p:nvSpPr>
+          <p:spPr>
+            <a:xfrm>
+              <a:off x="5924" y="4334"/>
+              <a:ext cx="2743" cy="1613"/>
+            </a:xfrm>
+            <a:prstGeom prst="rect">
+              <a:avLst/>
+            </a:prstGeom>
+            <a:solidFill>
+              <a:schemeClr val="accent1">
+                <a:lumMod val="40000"/>
+                <a:lumOff val="60000"/>
+              </a:schemeClr>
+            </a:solidFill>
+          </p:spPr>
+          <p:style>
+            <a:lnRef idx="2">
+              <a:schemeClr val="accent1">
+                <a:lumMod val="75000"/>
+              </a:schemeClr>
+            </a:lnRef>
+            <a:fillRef idx="1">
+              <a:schemeClr val="accent1"/>
+            </a:fillRef>
+            <a:effectRef idx="0">
+              <a:srgbClr val="FFFFFF"/>
+            </a:effectRef>
+            <a:fontRef idx="minor">
+              <a:schemeClr val="lt1"/>
+            </a:fontRef>
+          </p:style>
+          <p:txBody>
+            <a:bodyPr rtlCol="0" anchor="t" anchorCtr="0"/>
+            <a:p>
+              <a:pPr algn="ctr"/>
+              <a:r>
+                <a:rPr lang="en-US" altLang="zh-CN" sz="1000">
+                  <a:solidFill>
+                    <a:schemeClr val="tx1"/>
+                  </a:solidFill>
+                  <a:latin typeface="Times New Roman" panose="02020603050405020304" charset="0"/>
+                  <a:cs typeface="Times New Roman" panose="02020603050405020304" charset="0"/>
+                </a:rPr>
+                <a:t>LocalParty</a:t>
+              </a:r>
+              <a:endParaRPr lang="en-US" altLang="zh-CN" sz="1000">
+                <a:solidFill>
+                  <a:schemeClr val="tx1"/>
+                </a:solidFill>
+                <a:latin typeface="Times New Roman" panose="02020603050405020304" charset="0"/>
+                <a:cs typeface="Times New Roman" panose="02020603050405020304" charset="0"/>
+              </a:endParaRPr>
+            </a:p>
+          </p:txBody>
+        </p:sp>
+        <p:sp>
+          <p:nvSpPr>
+            <p:cNvPr id="34" name="矩形 33"/>
+            <p:cNvSpPr/>
+            <p:nvPr/>
+          </p:nvSpPr>
+          <p:spPr>
+            <a:xfrm>
+              <a:off x="5924" y="6390"/>
+              <a:ext cx="2471" cy="1756"/>
+            </a:xfrm>
+            <a:prstGeom prst="rect">
+              <a:avLst/>
+            </a:prstGeom>
+            <a:solidFill>
+              <a:schemeClr val="accent1">
+                <a:lumMod val="40000"/>
+                <a:lumOff val="60000"/>
+              </a:schemeClr>
+            </a:solidFill>
+          </p:spPr>
+          <p:style>
+            <a:lnRef idx="2">
+              <a:schemeClr val="accent1">
+                <a:lumMod val="75000"/>
+              </a:schemeClr>
+            </a:lnRef>
+            <a:fillRef idx="1">
+              <a:schemeClr val="accent1"/>
+            </a:fillRef>
+            <a:effectRef idx="0">
+              <a:srgbClr val="FFFFFF"/>
+            </a:effectRef>
+            <a:fontRef idx="minor">
+              <a:schemeClr val="lt1"/>
+            </a:fontRef>
+          </p:style>
+          <p:txBody>
+            <a:bodyPr rtlCol="0" anchor="t" anchorCtr="0"/>
+            <a:p>
+              <a:pPr algn="ctr"/>
+              <a:r>
+                <a:rPr lang="en-US" altLang="zh-CN" sz="1000">
+                  <a:solidFill>
+                    <a:schemeClr val="tx1"/>
+                  </a:solidFill>
+                  <a:latin typeface="Times New Roman" panose="02020603050405020304" charset="0"/>
+                  <a:cs typeface="Times New Roman" panose="02020603050405020304" charset="0"/>
+                </a:rPr>
+                <a:t>Rounds</a:t>
+              </a:r>
+              <a:endParaRPr lang="en-US" altLang="zh-CN" sz="1000">
+                <a:solidFill>
+                  <a:schemeClr val="tx1"/>
+                </a:solidFill>
+                <a:latin typeface="Times New Roman" panose="02020603050405020304" charset="0"/>
+                <a:cs typeface="Times New Roman" panose="02020603050405020304" charset="0"/>
+              </a:endParaRPr>
+            </a:p>
+          </p:txBody>
+        </p:sp>
+        <p:sp>
+          <p:nvSpPr>
+            <p:cNvPr id="35" name="矩形 34"/>
+            <p:cNvSpPr/>
+            <p:nvPr/>
+          </p:nvSpPr>
+          <p:spPr>
+            <a:xfrm>
+              <a:off x="6473" y="6821"/>
+              <a:ext cx="1670" cy="313"/>
+            </a:xfrm>
+            <a:prstGeom prst="rect">
+              <a:avLst/>
+            </a:prstGeom>
+            <a:solidFill>
+              <a:schemeClr val="accent3">
+                <a:lumMod val="20000"/>
+                <a:lumOff val="80000"/>
+              </a:schemeClr>
+            </a:solidFill>
+          </p:spPr>
+          <p:style>
+            <a:lnRef idx="2">
+              <a:schemeClr val="accent1">
+                <a:lumMod val="75000"/>
+              </a:schemeClr>
+            </a:lnRef>
+            <a:fillRef idx="1">
+              <a:schemeClr val="accent1"/>
+            </a:fillRef>
+            <a:effectRef idx="0">
+              <a:srgbClr val="FFFFFF"/>
+            </a:effectRef>
+            <a:fontRef idx="minor">
+              <a:schemeClr val="lt1"/>
+            </a:fontRef>
+          </p:style>
+          <p:txBody>
+            <a:bodyPr rtlCol="0" anchor="ctr" anchorCtr="0"/>
+            <a:p>
+              <a:pPr algn="ctr"/>
+              <a:r>
+                <a:rPr lang="en-US" altLang="zh-CN" sz="1000">
+                  <a:solidFill>
+                    <a:schemeClr val="tx1"/>
+                  </a:solidFill>
+                  <a:latin typeface="Times New Roman" panose="02020603050405020304" charset="0"/>
+                  <a:cs typeface="Times New Roman" panose="02020603050405020304" charset="0"/>
+                  <a:sym typeface="+mn-ea"/>
+                </a:rPr>
+                <a:t>round1(runing)</a:t>
+              </a:r>
+              <a:endParaRPr lang="en-US" altLang="zh-CN" sz="1000">
+                <a:solidFill>
+                  <a:schemeClr val="tx1"/>
+                </a:solidFill>
+                <a:latin typeface="Times New Roman" panose="02020603050405020304" charset="0"/>
+                <a:cs typeface="Times New Roman" panose="02020603050405020304" charset="0"/>
+                <a:sym typeface="+mn-ea"/>
+              </a:endParaRPr>
+            </a:p>
+          </p:txBody>
+        </p:sp>
+        <p:sp>
+          <p:nvSpPr>
+            <p:cNvPr id="36" name="矩形 35"/>
+            <p:cNvSpPr/>
+            <p:nvPr/>
+          </p:nvSpPr>
+          <p:spPr>
+            <a:xfrm>
+              <a:off x="6473" y="7133"/>
+              <a:ext cx="1670" cy="313"/>
+            </a:xfrm>
+            <a:prstGeom prst="rect">
+              <a:avLst/>
+            </a:prstGeom>
+            <a:solidFill>
+              <a:schemeClr val="accent1">
+                <a:lumMod val="60000"/>
+                <a:lumOff val="40000"/>
+              </a:schemeClr>
+            </a:solidFill>
+          </p:spPr>
+          <p:style>
+            <a:lnRef idx="2">
+              <a:schemeClr val="accent1">
+                <a:lumMod val="75000"/>
+              </a:schemeClr>
+            </a:lnRef>
+            <a:fillRef idx="1">
+              <a:schemeClr val="accent1"/>
+            </a:fillRef>
+            <a:effectRef idx="0">
+              <a:srgbClr val="FFFFFF"/>
+            </a:effectRef>
+            <a:fontRef idx="minor">
+              <a:schemeClr val="lt1"/>
+            </a:fontRef>
+          </p:style>
+          <p:txBody>
+            <a:bodyPr rtlCol="0" anchor="ctr" anchorCtr="0"/>
+            <a:p>
+              <a:pPr algn="ctr"/>
+              <a:r>
+                <a:rPr lang="en-US" altLang="zh-CN" sz="1000">
+                  <a:solidFill>
+                    <a:schemeClr val="tx1"/>
+                  </a:solidFill>
+                  <a:latin typeface="Times New Roman" panose="02020603050405020304" charset="0"/>
+                  <a:cs typeface="Times New Roman" panose="02020603050405020304" charset="0"/>
+                </a:rPr>
+                <a:t>round2</a:t>
+              </a:r>
+              <a:endParaRPr lang="en-US" altLang="zh-CN" sz="1000">
+                <a:solidFill>
+                  <a:schemeClr val="tx1"/>
+                </a:solidFill>
+                <a:latin typeface="Times New Roman" panose="02020603050405020304" charset="0"/>
+                <a:cs typeface="Times New Roman" panose="02020603050405020304" charset="0"/>
+              </a:endParaRPr>
+            </a:p>
+          </p:txBody>
+        </p:sp>
+        <p:sp>
+          <p:nvSpPr>
+            <p:cNvPr id="37" name="矩形 36"/>
+            <p:cNvSpPr/>
+            <p:nvPr/>
+          </p:nvSpPr>
+          <p:spPr>
+            <a:xfrm>
+              <a:off x="6473" y="7446"/>
+              <a:ext cx="1670" cy="313"/>
+            </a:xfrm>
+            <a:prstGeom prst="rect">
+              <a:avLst/>
+            </a:prstGeom>
+            <a:solidFill>
+              <a:schemeClr val="accent1">
+                <a:lumMod val="60000"/>
+                <a:lumOff val="40000"/>
+              </a:schemeClr>
+            </a:solidFill>
+          </p:spPr>
+          <p:style>
+            <a:lnRef idx="2">
+              <a:schemeClr val="accent1">
+                <a:lumMod val="75000"/>
+              </a:schemeClr>
+            </a:lnRef>
+            <a:fillRef idx="1">
+              <a:schemeClr val="accent1"/>
+            </a:fillRef>
+            <a:effectRef idx="0">
+              <a:srgbClr val="FFFFFF"/>
+            </a:effectRef>
+            <a:fontRef idx="minor">
+              <a:schemeClr val="lt1"/>
+            </a:fontRef>
+          </p:style>
+          <p:txBody>
+            <a:bodyPr rtlCol="0" anchor="ctr" anchorCtr="0"/>
+            <a:p>
+              <a:pPr algn="ctr"/>
+              <a:r>
+                <a:rPr lang="en-US" altLang="zh-CN" sz="1000">
+                  <a:solidFill>
+                    <a:schemeClr val="tx1"/>
+                  </a:solidFill>
+                  <a:latin typeface="Times New Roman" panose="02020603050405020304" charset="0"/>
+                  <a:cs typeface="Times New Roman" panose="02020603050405020304" charset="0"/>
+                </a:rPr>
+                <a:t>...</a:t>
+              </a:r>
+              <a:endParaRPr lang="en-US" altLang="zh-CN" sz="1000">
+                <a:solidFill>
+                  <a:schemeClr val="tx1"/>
+                </a:solidFill>
+                <a:latin typeface="Times New Roman" panose="02020603050405020304" charset="0"/>
+                <a:cs typeface="Times New Roman" panose="02020603050405020304" charset="0"/>
+              </a:endParaRPr>
+            </a:p>
+          </p:txBody>
+        </p:sp>
+        <p:sp>
+          <p:nvSpPr>
+            <p:cNvPr id="38" name="矩形 37"/>
+            <p:cNvSpPr/>
+            <p:nvPr/>
+          </p:nvSpPr>
+          <p:spPr>
+            <a:xfrm>
+              <a:off x="6473" y="7759"/>
+              <a:ext cx="1670" cy="313"/>
+            </a:xfrm>
+            <a:prstGeom prst="rect">
+              <a:avLst/>
+            </a:prstGeom>
+            <a:solidFill>
+              <a:schemeClr val="accent1">
+                <a:lumMod val="60000"/>
+                <a:lumOff val="40000"/>
+              </a:schemeClr>
+            </a:solidFill>
+          </p:spPr>
+          <p:style>
+            <a:lnRef idx="2">
+              <a:schemeClr val="accent1">
+                <a:lumMod val="75000"/>
+              </a:schemeClr>
+            </a:lnRef>
+            <a:fillRef idx="1">
+              <a:schemeClr val="accent1"/>
+            </a:fillRef>
+            <a:effectRef idx="0">
+              <a:srgbClr val="FFFFFF"/>
+            </a:effectRef>
+            <a:fontRef idx="minor">
+              <a:schemeClr val="lt1"/>
+            </a:fontRef>
+          </p:style>
+          <p:txBody>
+            <a:bodyPr rtlCol="0" anchor="ctr" anchorCtr="0"/>
+            <a:p>
+              <a:pPr algn="ctr"/>
+              <a:r>
+                <a:rPr lang="en-US" altLang="zh-CN" sz="1000">
+                  <a:solidFill>
+                    <a:schemeClr val="tx1"/>
+                  </a:solidFill>
+                  <a:latin typeface="Times New Roman" panose="02020603050405020304" charset="0"/>
+                  <a:cs typeface="Times New Roman" panose="02020603050405020304" charset="0"/>
+                </a:rPr>
+                <a:t>round x</a:t>
+              </a:r>
+              <a:endParaRPr lang="en-US" altLang="zh-CN" sz="1000">
+                <a:solidFill>
+                  <a:schemeClr val="tx1"/>
+                </a:solidFill>
+                <a:latin typeface="Times New Roman" panose="02020603050405020304" charset="0"/>
+                <a:cs typeface="Times New Roman" panose="02020603050405020304" charset="0"/>
+              </a:endParaRPr>
+            </a:p>
+          </p:txBody>
+        </p:sp>
+        <p:sp>
+          <p:nvSpPr>
+            <p:cNvPr id="39" name="矩形 38"/>
+            <p:cNvSpPr/>
+            <p:nvPr/>
+          </p:nvSpPr>
+          <p:spPr>
+            <a:xfrm>
+              <a:off x="7484" y="5459"/>
+              <a:ext cx="1114" cy="351"/>
+            </a:xfrm>
+            <a:prstGeom prst="rect">
+              <a:avLst/>
+            </a:prstGeom>
+            <a:solidFill>
+              <a:schemeClr val="accent1">
+                <a:lumMod val="60000"/>
+                <a:lumOff val="40000"/>
+              </a:schemeClr>
+            </a:solidFill>
+          </p:spPr>
+          <p:style>
+            <a:lnRef idx="2">
+              <a:schemeClr val="accent1">
+                <a:lumMod val="75000"/>
+              </a:schemeClr>
+            </a:lnRef>
+            <a:fillRef idx="1">
+              <a:schemeClr val="accent1"/>
+            </a:fillRef>
+            <a:effectRef idx="0">
+              <a:srgbClr val="FFFFFF"/>
+            </a:effectRef>
+            <a:fontRef idx="minor">
+              <a:schemeClr val="lt1"/>
+            </a:fontRef>
+          </p:style>
+          <p:txBody>
+            <a:bodyPr rtlCol="0" anchor="t" anchorCtr="0"/>
+            <a:p>
+              <a:pPr algn="ctr"/>
+              <a:r>
+                <a:rPr lang="en-US" altLang="zh-CN" sz="1000">
+                  <a:solidFill>
+                    <a:schemeClr val="tx1"/>
+                  </a:solidFill>
+                  <a:latin typeface="Times New Roman" panose="02020603050405020304" charset="0"/>
+                  <a:cs typeface="Times New Roman" panose="02020603050405020304" charset="0"/>
+                </a:rPr>
+                <a:t>temp</a:t>
+              </a:r>
+              <a:endParaRPr lang="en-US" altLang="zh-CN" sz="1000">
+                <a:solidFill>
+                  <a:schemeClr val="tx1"/>
+                </a:solidFill>
+                <a:latin typeface="Times New Roman" panose="02020603050405020304" charset="0"/>
+                <a:cs typeface="Times New Roman" panose="02020603050405020304" charset="0"/>
+              </a:endParaRPr>
+            </a:p>
+          </p:txBody>
+        </p:sp>
+        <p:sp>
+          <p:nvSpPr>
+            <p:cNvPr id="40" name="矩形 39"/>
+            <p:cNvSpPr/>
+            <p:nvPr/>
+          </p:nvSpPr>
+          <p:spPr>
+            <a:xfrm>
+              <a:off x="7483" y="5086"/>
+              <a:ext cx="1115" cy="313"/>
+            </a:xfrm>
+            <a:prstGeom prst="rect">
+              <a:avLst/>
+            </a:prstGeom>
+            <a:solidFill>
+              <a:schemeClr val="accent1">
+                <a:lumMod val="60000"/>
+                <a:lumOff val="40000"/>
+              </a:schemeClr>
+            </a:solidFill>
+          </p:spPr>
+          <p:style>
+            <a:lnRef idx="2">
+              <a:schemeClr val="accent1">
+                <a:lumMod val="75000"/>
+              </a:schemeClr>
+            </a:lnRef>
+            <a:fillRef idx="1">
+              <a:schemeClr val="accent1"/>
+            </a:fillRef>
+            <a:effectRef idx="0">
+              <a:srgbClr val="FFFFFF"/>
+            </a:effectRef>
+            <a:fontRef idx="minor">
+              <a:schemeClr val="lt1"/>
+            </a:fontRef>
+          </p:style>
+          <p:txBody>
+            <a:bodyPr rtlCol="0" anchor="ctr" anchorCtr="0"/>
+            <a:p>
+              <a:pPr algn="ctr"/>
+              <a:r>
+                <a:rPr lang="en-US" altLang="zh-CN" sz="1000">
+                  <a:solidFill>
+                    <a:schemeClr val="tx1"/>
+                  </a:solidFill>
+                  <a:latin typeface="Times New Roman" panose="02020603050405020304" charset="0"/>
+                  <a:cs typeface="Times New Roman" panose="02020603050405020304" charset="0"/>
+                </a:rPr>
+                <a:t>data</a:t>
+              </a:r>
+              <a:endParaRPr lang="en-US" altLang="zh-CN" sz="1000">
+                <a:solidFill>
+                  <a:schemeClr val="tx1"/>
+                </a:solidFill>
+                <a:latin typeface="Times New Roman" panose="02020603050405020304" charset="0"/>
+                <a:cs typeface="Times New Roman" panose="02020603050405020304" charset="0"/>
+              </a:endParaRPr>
+            </a:p>
+          </p:txBody>
+        </p:sp>
+        <p:sp>
+          <p:nvSpPr>
+            <p:cNvPr id="41" name="矩形 40"/>
+            <p:cNvSpPr/>
+            <p:nvPr/>
+          </p:nvSpPr>
+          <p:spPr>
+            <a:xfrm>
+              <a:off x="7483" y="4713"/>
+              <a:ext cx="1115" cy="313"/>
+            </a:xfrm>
+            <a:prstGeom prst="rect">
+              <a:avLst/>
+            </a:prstGeom>
+            <a:solidFill>
+              <a:schemeClr val="accent1">
+                <a:lumMod val="60000"/>
+                <a:lumOff val="40000"/>
+              </a:schemeClr>
+            </a:solidFill>
+          </p:spPr>
+          <p:style>
+            <a:lnRef idx="2">
+              <a:schemeClr val="accent1">
+                <a:lumMod val="75000"/>
+              </a:schemeClr>
+            </a:lnRef>
+            <a:fillRef idx="1">
+              <a:schemeClr val="accent1"/>
+            </a:fillRef>
+            <a:effectRef idx="0">
+              <a:srgbClr val="FFFFFF"/>
+            </a:effectRef>
+            <a:fontRef idx="minor">
+              <a:schemeClr val="lt1"/>
+            </a:fontRef>
+          </p:style>
+          <p:txBody>
+            <a:bodyPr rtlCol="0" anchor="ctr" anchorCtr="0"/>
+            <a:p>
+              <a:pPr algn="ctr"/>
+              <a:r>
+                <a:rPr lang="en-US" altLang="zh-CN" sz="1000">
+                  <a:solidFill>
+                    <a:schemeClr val="tx1"/>
+                  </a:solidFill>
+                  <a:latin typeface="Times New Roman" panose="02020603050405020304" charset="0"/>
+                  <a:cs typeface="Times New Roman" panose="02020603050405020304" charset="0"/>
+                </a:rPr>
+                <a:t>params</a:t>
+              </a:r>
+              <a:endParaRPr lang="en-US" altLang="zh-CN" sz="1000">
+                <a:solidFill>
+                  <a:schemeClr val="tx1"/>
+                </a:solidFill>
+                <a:latin typeface="Times New Roman" panose="02020603050405020304" charset="0"/>
+                <a:cs typeface="Times New Roman" panose="02020603050405020304" charset="0"/>
+              </a:endParaRPr>
+            </a:p>
+          </p:txBody>
+        </p:sp>
+        <p:sp>
+          <p:nvSpPr>
+            <p:cNvPr id="42" name="矩形 41"/>
+            <p:cNvSpPr/>
+            <p:nvPr/>
+          </p:nvSpPr>
+          <p:spPr>
+            <a:xfrm>
+              <a:off x="5924" y="4713"/>
+              <a:ext cx="1013" cy="313"/>
+            </a:xfrm>
+            <a:prstGeom prst="rect">
+              <a:avLst/>
+            </a:prstGeom>
+            <a:solidFill>
+              <a:schemeClr val="accent5">
+                <a:lumMod val="20000"/>
+                <a:lumOff val="80000"/>
+              </a:schemeClr>
+            </a:solidFill>
+            <a:ln>
+              <a:solidFill>
+                <a:schemeClr val="accent4">
+                  <a:lumMod val="75000"/>
+                </a:schemeClr>
+              </a:solidFill>
+            </a:ln>
+          </p:spPr>
+          <p:style>
+            <a:lnRef idx="2">
+              <a:schemeClr val="accent1">
+                <a:lumMod val="75000"/>
+              </a:schemeClr>
+            </a:lnRef>
+            <a:fillRef idx="1">
+              <a:schemeClr val="accent1"/>
+            </a:fillRef>
+            <a:effectRef idx="0">
+              <a:srgbClr val="FFFFFF"/>
+            </a:effectRef>
+            <a:fontRef idx="minor">
+              <a:schemeClr val="lt1"/>
+            </a:fontRef>
+          </p:style>
+          <p:txBody>
+            <a:bodyPr rtlCol="0" anchor="ctr" anchorCtr="0"/>
+            <a:p>
+              <a:pPr algn="ctr"/>
+              <a:r>
+                <a:rPr lang="en-US" altLang="zh-CN" sz="1000">
+                  <a:solidFill>
+                    <a:schemeClr val="tx1"/>
+                  </a:solidFill>
+                  <a:latin typeface="Times New Roman" panose="02020603050405020304" charset="0"/>
+                  <a:cs typeface="Times New Roman" panose="02020603050405020304" charset="0"/>
+                </a:rPr>
+                <a:t>outCh</a:t>
+              </a:r>
+              <a:endParaRPr lang="en-US" altLang="zh-CN" sz="1000">
+                <a:solidFill>
+                  <a:schemeClr val="tx1"/>
+                </a:solidFill>
+                <a:latin typeface="Times New Roman" panose="02020603050405020304" charset="0"/>
+                <a:cs typeface="Times New Roman" panose="02020603050405020304" charset="0"/>
+              </a:endParaRPr>
+            </a:p>
+          </p:txBody>
+        </p:sp>
+        <p:sp>
+          <p:nvSpPr>
+            <p:cNvPr id="43" name="矩形 42"/>
+            <p:cNvSpPr/>
+            <p:nvPr/>
+          </p:nvSpPr>
+          <p:spPr>
+            <a:xfrm>
+              <a:off x="6107" y="5635"/>
+              <a:ext cx="1013" cy="313"/>
+            </a:xfrm>
+            <a:prstGeom prst="rect">
+              <a:avLst/>
+            </a:prstGeom>
+            <a:solidFill>
+              <a:schemeClr val="accent5">
+                <a:lumMod val="20000"/>
+                <a:lumOff val="80000"/>
+              </a:schemeClr>
+            </a:solidFill>
+            <a:ln>
+              <a:solidFill>
+                <a:schemeClr val="accent4">
+                  <a:lumMod val="75000"/>
+                </a:schemeClr>
+              </a:solidFill>
+            </a:ln>
+          </p:spPr>
+          <p:style>
+            <a:lnRef idx="2">
+              <a:schemeClr val="accent1">
+                <a:lumMod val="75000"/>
+              </a:schemeClr>
+            </a:lnRef>
+            <a:fillRef idx="1">
+              <a:schemeClr val="accent1"/>
+            </a:fillRef>
+            <a:effectRef idx="0">
+              <a:srgbClr val="FFFFFF"/>
+            </a:effectRef>
+            <a:fontRef idx="minor">
+              <a:schemeClr val="lt1"/>
+            </a:fontRef>
+          </p:style>
+          <p:txBody>
+            <a:bodyPr rtlCol="0" anchor="ctr" anchorCtr="0"/>
+            <a:p>
+              <a:pPr algn="ctr"/>
+              <a:r>
+                <a:rPr lang="en-US" altLang="zh-CN" sz="1000">
+                  <a:solidFill>
+                    <a:schemeClr val="tx1"/>
+                  </a:solidFill>
+                  <a:latin typeface="Times New Roman" panose="02020603050405020304" charset="0"/>
+                  <a:cs typeface="Times New Roman" panose="02020603050405020304" charset="0"/>
+                </a:rPr>
+                <a:t>endCh</a:t>
+              </a:r>
+              <a:endParaRPr lang="en-US" altLang="zh-CN" sz="1000">
+                <a:solidFill>
+                  <a:schemeClr val="tx1"/>
+                </a:solidFill>
+                <a:latin typeface="Times New Roman" panose="02020603050405020304" charset="0"/>
+                <a:cs typeface="Times New Roman" panose="02020603050405020304" charset="0"/>
+              </a:endParaRPr>
+            </a:p>
+          </p:txBody>
+        </p:sp>
+        <p:cxnSp>
+          <p:nvCxnSpPr>
+            <p:cNvPr id="47" name="肘形连接符 46"/>
+            <p:cNvCxnSpPr>
+              <a:stCxn id="39" idx="2"/>
+            </p:cNvCxnSpPr>
+            <p:nvPr/>
+          </p:nvCxnSpPr>
+          <p:spPr>
+            <a:xfrm rot="5400000">
+              <a:off x="7412" y="6171"/>
+              <a:ext cx="990" cy="268"/>
+            </a:xfrm>
+            <a:prstGeom prst="bentConnector3">
+              <a:avLst>
+                <a:gd name="adj1" fmla="val 45454"/>
+              </a:avLst>
+            </a:prstGeom>
+            <a:ln>
+              <a:solidFill>
+                <a:schemeClr val="tx1"/>
+              </a:solidFill>
+              <a:headEnd type="oval"/>
+              <a:tailEnd type="arrow"/>
+            </a:ln>
+          </p:spPr>
+          <p:style>
+            <a:lnRef idx="2">
+              <a:schemeClr val="accent1"/>
+            </a:lnRef>
+            <a:fillRef idx="0">
+              <a:srgbClr val="FFFFFF"/>
+            </a:fillRef>
+            <a:effectRef idx="0">
+              <a:srgbClr val="FFFFFF"/>
+            </a:effectRef>
+            <a:fontRef idx="minor">
+              <a:schemeClr val="tx1"/>
+            </a:fontRef>
+          </p:style>
+        </p:cxnSp>
+        <p:cxnSp>
+          <p:nvCxnSpPr>
+            <p:cNvPr id="49" name="肘形连接符 48"/>
+            <p:cNvCxnSpPr/>
+            <p:nvPr/>
+          </p:nvCxnSpPr>
+          <p:spPr>
+            <a:xfrm rot="16200000">
+              <a:off x="3003" y="5316"/>
+              <a:ext cx="1364" cy="785"/>
+            </a:xfrm>
+            <a:prstGeom prst="bentConnector3">
+              <a:avLst>
+                <a:gd name="adj1" fmla="val 70271"/>
+              </a:avLst>
+            </a:prstGeom>
+            <a:ln>
+              <a:solidFill>
+                <a:schemeClr val="tx1"/>
+              </a:solidFill>
+              <a:headEnd type="oval"/>
+              <a:tailEnd type="arrow"/>
+            </a:ln>
+          </p:spPr>
+          <p:style>
+            <a:lnRef idx="2">
+              <a:schemeClr val="accent1"/>
+            </a:lnRef>
+            <a:fillRef idx="0">
+              <a:srgbClr val="FFFFFF"/>
+            </a:fillRef>
+            <a:effectRef idx="0">
+              <a:srgbClr val="FFFFFF"/>
+            </a:effectRef>
+            <a:fontRef idx="minor">
+              <a:schemeClr val="tx1"/>
+            </a:fontRef>
+          </p:style>
+        </p:cxnSp>
+        <p:cxnSp>
+          <p:nvCxnSpPr>
+            <p:cNvPr id="52" name="肘形连接符 51"/>
+            <p:cNvCxnSpPr/>
+            <p:nvPr/>
+          </p:nvCxnSpPr>
+          <p:spPr>
+            <a:xfrm rot="16200000" flipV="1">
+              <a:off x="2605" y="5702"/>
+              <a:ext cx="580" cy="796"/>
+            </a:xfrm>
+            <a:prstGeom prst="bentConnector3">
+              <a:avLst>
+                <a:gd name="adj1" fmla="val 26724"/>
+              </a:avLst>
+            </a:prstGeom>
+            <a:ln>
+              <a:solidFill>
+                <a:schemeClr val="tx1"/>
+              </a:solidFill>
+              <a:headEnd type="oval"/>
+              <a:tailEnd type="arrow"/>
+            </a:ln>
+          </p:spPr>
+          <p:style>
+            <a:lnRef idx="2">
+              <a:schemeClr val="accent1"/>
+            </a:lnRef>
+            <a:fillRef idx="0">
+              <a:srgbClr val="FFFFFF"/>
+            </a:fillRef>
+            <a:effectRef idx="0">
+              <a:srgbClr val="FFFFFF"/>
+            </a:effectRef>
+            <a:fontRef idx="minor">
+              <a:schemeClr val="tx1"/>
+            </a:fontRef>
+          </p:style>
+        </p:cxnSp>
+        <p:cxnSp>
+          <p:nvCxnSpPr>
+            <p:cNvPr id="53" name="肘形连接符 52"/>
+            <p:cNvCxnSpPr>
+              <a:stCxn id="38" idx="3"/>
+              <a:endCxn id="40" idx="3"/>
+            </p:cNvCxnSpPr>
+            <p:nvPr/>
+          </p:nvCxnSpPr>
+          <p:spPr>
+            <a:xfrm flipV="1">
+              <a:off x="8143" y="5243"/>
+              <a:ext cx="455" cy="2673"/>
+            </a:xfrm>
+            <a:prstGeom prst="bentConnector3">
+              <a:avLst>
+                <a:gd name="adj1" fmla="val 159340"/>
+              </a:avLst>
+            </a:prstGeom>
+            <a:ln>
+              <a:solidFill>
+                <a:schemeClr val="tx1"/>
+              </a:solidFill>
+              <a:headEnd type="oval"/>
+              <a:tailEnd type="arrow"/>
+            </a:ln>
+          </p:spPr>
+          <p:style>
+            <a:lnRef idx="2">
+              <a:schemeClr val="accent1"/>
+            </a:lnRef>
+            <a:fillRef idx="0">
+              <a:srgbClr val="FFFFFF"/>
+            </a:fillRef>
+            <a:effectRef idx="0">
+              <a:srgbClr val="FFFFFF"/>
+            </a:effectRef>
+            <a:fontRef idx="minor">
+              <a:schemeClr val="tx1"/>
+            </a:fontRef>
+          </p:style>
+        </p:cxnSp>
+        <p:cxnSp>
+          <p:nvCxnSpPr>
+            <p:cNvPr id="54" name="肘形连接符 53"/>
+            <p:cNvCxnSpPr>
+              <a:stCxn id="40" idx="1"/>
+              <a:endCxn id="43" idx="0"/>
+            </p:cNvCxnSpPr>
+            <p:nvPr/>
+          </p:nvCxnSpPr>
+          <p:spPr>
+            <a:xfrm rot="10800000" flipV="1">
+              <a:off x="6614" y="5243"/>
+              <a:ext cx="869" cy="392"/>
+            </a:xfrm>
+            <a:prstGeom prst="bentConnector2">
+              <a:avLst/>
+            </a:prstGeom>
+            <a:ln>
+              <a:solidFill>
+                <a:schemeClr val="tx1"/>
+              </a:solidFill>
+              <a:headEnd type="oval"/>
+              <a:tailEnd type="arrow"/>
+            </a:ln>
+          </p:spPr>
+          <p:style>
+            <a:lnRef idx="2">
+              <a:schemeClr val="accent1"/>
+            </a:lnRef>
+            <a:fillRef idx="0">
+              <a:srgbClr val="FFFFFF"/>
+            </a:fillRef>
+            <a:effectRef idx="0">
+              <a:srgbClr val="FFFFFF"/>
+            </a:effectRef>
+            <a:fontRef idx="minor">
+              <a:schemeClr val="tx1"/>
+            </a:fontRef>
+          </p:style>
+        </p:cxnSp>
+        <p:sp>
+          <p:nvSpPr>
+            <p:cNvPr id="55" name="文本框 54"/>
+            <p:cNvSpPr txBox="1"/>
+            <p:nvPr/>
+          </p:nvSpPr>
+          <p:spPr>
+            <a:xfrm>
+              <a:off x="2589" y="5907"/>
+              <a:ext cx="683" cy="386"/>
+            </a:xfrm>
+            <a:prstGeom prst="rect">
+              <a:avLst/>
+            </a:prstGeom>
+            <a:noFill/>
+          </p:spPr>
+          <p:txBody>
+            <a:bodyPr wrap="square" rtlCol="0">
+              <a:spAutoFit/>
+            </a:bodyPr>
+            <a:p>
+              <a:r>
+                <a:rPr lang="en-US" altLang="zh-CN" sz="1000">
+                  <a:latin typeface="Times New Roman" panose="02020603050405020304" charset="0"/>
+                  <a:cs typeface="Times New Roman" panose="02020603050405020304" charset="0"/>
+                </a:rPr>
+                <a:t>msg</a:t>
+              </a:r>
+              <a:endParaRPr lang="en-US" altLang="zh-CN" sz="1000">
+                <a:latin typeface="Times New Roman" panose="02020603050405020304" charset="0"/>
+                <a:cs typeface="Times New Roman" panose="02020603050405020304" charset="0"/>
+              </a:endParaRPr>
+            </a:p>
+          </p:txBody>
+        </p:sp>
+        <p:sp>
+          <p:nvSpPr>
+            <p:cNvPr id="56" name="文本框 55"/>
+            <p:cNvSpPr txBox="1"/>
+            <p:nvPr/>
+          </p:nvSpPr>
+          <p:spPr>
+            <a:xfrm>
+              <a:off x="3293" y="5027"/>
+              <a:ext cx="683" cy="386"/>
+            </a:xfrm>
+            <a:prstGeom prst="rect">
+              <a:avLst/>
+            </a:prstGeom>
+            <a:noFill/>
+          </p:spPr>
+          <p:txBody>
+            <a:bodyPr wrap="square" rtlCol="0">
+              <a:spAutoFit/>
+            </a:bodyPr>
+            <a:p>
+              <a:r>
+                <a:rPr lang="en-US" altLang="zh-CN" sz="1000">
+                  <a:latin typeface="Times New Roman" panose="02020603050405020304" charset="0"/>
+                  <a:cs typeface="Times New Roman" panose="02020603050405020304" charset="0"/>
+                </a:rPr>
+                <a:t>msg</a:t>
+              </a:r>
+              <a:endParaRPr lang="en-US" altLang="zh-CN" sz="1000">
+                <a:latin typeface="Times New Roman" panose="02020603050405020304" charset="0"/>
+                <a:cs typeface="Times New Roman" panose="02020603050405020304" charset="0"/>
+              </a:endParaRPr>
+            </a:p>
+          </p:txBody>
+        </p:sp>
+        <p:sp>
+          <p:nvSpPr>
+            <p:cNvPr id="58" name="文本框 57"/>
+            <p:cNvSpPr txBox="1"/>
+            <p:nvPr/>
+          </p:nvSpPr>
+          <p:spPr>
+            <a:xfrm>
+              <a:off x="6827" y="5899"/>
+              <a:ext cx="1385" cy="386"/>
+            </a:xfrm>
+            <a:prstGeom prst="rect">
+              <a:avLst/>
+            </a:prstGeom>
+            <a:noFill/>
+          </p:spPr>
+          <p:txBody>
+            <a:bodyPr wrap="square" rtlCol="0">
+              <a:spAutoFit/>
+            </a:bodyPr>
+            <a:p>
+              <a:r>
+                <a:rPr lang="en-US" altLang="zh-CN" sz="1000">
+                  <a:latin typeface="Times New Roman" panose="02020603050405020304" charset="0"/>
+                  <a:cs typeface="Times New Roman" panose="02020603050405020304" charset="0"/>
+                </a:rPr>
+                <a:t>Update(msg)</a:t>
+              </a:r>
+              <a:endParaRPr lang="en-US" altLang="zh-CN" sz="1000">
+                <a:latin typeface="Times New Roman" panose="02020603050405020304" charset="0"/>
+                <a:cs typeface="Times New Roman" panose="02020603050405020304" charset="0"/>
+              </a:endParaRPr>
+            </a:p>
+          </p:txBody>
+        </p:sp>
+        <p:sp>
+          <p:nvSpPr>
+            <p:cNvPr id="61" name="文本框 60"/>
+            <p:cNvSpPr txBox="1"/>
+            <p:nvPr/>
+          </p:nvSpPr>
+          <p:spPr>
+            <a:xfrm>
+              <a:off x="8292" y="7575"/>
+              <a:ext cx="703" cy="386"/>
+            </a:xfrm>
+            <a:prstGeom prst="rect">
+              <a:avLst/>
+            </a:prstGeom>
+            <a:noFill/>
+          </p:spPr>
+          <p:txBody>
+            <a:bodyPr wrap="square" rtlCol="0">
+              <a:spAutoFit/>
+            </a:bodyPr>
+            <a:p>
+              <a:r>
+                <a:rPr lang="en-US" altLang="zh-CN" sz="1000">
+                  <a:latin typeface="Times New Roman" panose="02020603050405020304" charset="0"/>
+                  <a:cs typeface="Times New Roman" panose="02020603050405020304" charset="0"/>
+                </a:rPr>
+                <a:t>save</a:t>
+              </a:r>
+              <a:endParaRPr lang="en-US" altLang="zh-CN" sz="1000">
+                <a:latin typeface="Times New Roman" panose="02020603050405020304" charset="0"/>
+                <a:cs typeface="Times New Roman" panose="02020603050405020304" charset="0"/>
+              </a:endParaRPr>
+            </a:p>
+          </p:txBody>
+        </p:sp>
+        <p:cxnSp>
+          <p:nvCxnSpPr>
+            <p:cNvPr id="63" name="肘形连接符 62"/>
+            <p:cNvCxnSpPr>
+              <a:stCxn id="35" idx="1"/>
+              <a:endCxn id="36" idx="1"/>
+            </p:cNvCxnSpPr>
+            <p:nvPr/>
+          </p:nvCxnSpPr>
+          <p:spPr>
+            <a:xfrm rot="10800000" flipH="1" flipV="1">
+              <a:off x="6473" y="6978"/>
+              <a:ext cx="5" cy="312"/>
+            </a:xfrm>
+            <a:prstGeom prst="bentConnector3">
+              <a:avLst>
+                <a:gd name="adj1" fmla="val -7500000"/>
+              </a:avLst>
+            </a:prstGeom>
+            <a:ln w="9525" cmpd="sng">
+              <a:solidFill>
+                <a:schemeClr val="accent1">
+                  <a:shade val="50000"/>
+                </a:schemeClr>
+              </a:solidFill>
+              <a:prstDash val="sysDot"/>
+              <a:headEnd type="none"/>
+              <a:tailEnd type="triangle"/>
+            </a:ln>
+          </p:spPr>
+          <p:style>
+            <a:lnRef idx="2">
+              <a:schemeClr val="accent1"/>
+            </a:lnRef>
+            <a:fillRef idx="0">
+              <a:srgbClr val="FFFFFF"/>
+            </a:fillRef>
+            <a:effectRef idx="0">
+              <a:srgbClr val="FFFFFF"/>
+            </a:effectRef>
+            <a:fontRef idx="minor">
+              <a:schemeClr val="tx1"/>
+            </a:fontRef>
+          </p:style>
+        </p:cxnSp>
+        <p:sp>
+          <p:nvSpPr>
+            <p:cNvPr id="64" name="文本框 63"/>
+            <p:cNvSpPr txBox="1"/>
+            <p:nvPr/>
+          </p:nvSpPr>
+          <p:spPr>
+            <a:xfrm>
+              <a:off x="5810" y="6692"/>
+              <a:ext cx="803" cy="362"/>
+            </a:xfrm>
+            <a:prstGeom prst="rect">
+              <a:avLst/>
+            </a:prstGeom>
+            <a:noFill/>
+          </p:spPr>
+          <p:txBody>
+            <a:bodyPr wrap="square" rtlCol="0">
+              <a:spAutoFit/>
+            </a:bodyPr>
+            <a:p>
+              <a:r>
+                <a:rPr lang="en-US" altLang="zh-CN" sz="900">
+                  <a:latin typeface="Times New Roman" panose="02020603050405020304" charset="0"/>
+                  <a:cs typeface="Times New Roman" panose="02020603050405020304" charset="0"/>
+                </a:rPr>
+                <a:t>Next()</a:t>
+              </a:r>
+              <a:endParaRPr lang="en-US" altLang="zh-CN" sz="900">
+                <a:latin typeface="Times New Roman" panose="02020603050405020304" charset="0"/>
+                <a:cs typeface="Times New Roman" panose="02020603050405020304" charset="0"/>
+              </a:endParaRPr>
+            </a:p>
+          </p:txBody>
+        </p:sp>
+        <p:sp>
+          <p:nvSpPr>
+            <p:cNvPr id="66" name="矩形 65"/>
+            <p:cNvSpPr/>
+            <p:nvPr/>
+          </p:nvSpPr>
+          <p:spPr>
+            <a:xfrm>
+              <a:off x="4948" y="4575"/>
+              <a:ext cx="611" cy="1132"/>
+            </a:xfrm>
+            <a:prstGeom prst="rect">
+              <a:avLst/>
+            </a:prstGeom>
+            <a:solidFill>
+              <a:schemeClr val="accent4">
+                <a:lumMod val="20000"/>
+                <a:lumOff val="80000"/>
+              </a:schemeClr>
+            </a:solidFill>
+            <a:ln>
+              <a:noFill/>
+            </a:ln>
+          </p:spPr>
+          <p:style>
+            <a:lnRef idx="2">
+              <a:schemeClr val="accent1">
+                <a:lumMod val="75000"/>
+              </a:schemeClr>
+            </a:lnRef>
+            <a:fillRef idx="1">
+              <a:schemeClr val="accent1"/>
+            </a:fillRef>
+            <a:effectRef idx="0">
+              <a:srgbClr val="FFFFFF"/>
+            </a:effectRef>
+            <a:fontRef idx="minor">
+              <a:schemeClr val="lt1"/>
+            </a:fontRef>
+          </p:style>
+          <p:txBody>
+            <a:bodyPr rtlCol="0" anchor="ctr" anchorCtr="0"/>
+            <a:p>
+              <a:pPr algn="ctr"/>
+              <a:r>
+                <a:rPr lang="zh-CN" altLang="en-US" sz="1000">
+                  <a:solidFill>
+                    <a:schemeClr val="tx1"/>
+                  </a:solidFill>
+                  <a:latin typeface="Times New Roman" panose="02020603050405020304" charset="0"/>
+                  <a:ea typeface="宋体" panose="02010600030101010101" pitchFamily="2" charset="-122"/>
+                </a:rPr>
+                <a:t>消息路由</a:t>
+              </a:r>
+              <a:endParaRPr lang="zh-CN" altLang="en-US" sz="1000">
+                <a:solidFill>
+                  <a:schemeClr val="tx1"/>
+                </a:solidFill>
+                <a:latin typeface="Times New Roman" panose="02020603050405020304" charset="0"/>
+                <a:ea typeface="宋体" panose="02010600030101010101" pitchFamily="2" charset="-122"/>
+              </a:endParaRPr>
+            </a:p>
+          </p:txBody>
+        </p:sp>
+        <p:sp>
+          <p:nvSpPr>
+            <p:cNvPr id="72" name="文本框 71"/>
+            <p:cNvSpPr txBox="1"/>
+            <p:nvPr/>
+          </p:nvSpPr>
+          <p:spPr>
+            <a:xfrm>
+              <a:off x="1385" y="6285"/>
+              <a:ext cx="779" cy="362"/>
+            </a:xfrm>
+            <a:prstGeom prst="rect">
+              <a:avLst/>
+            </a:prstGeom>
+            <a:noFill/>
+          </p:spPr>
+          <p:txBody>
+            <a:bodyPr wrap="square" rtlCol="0">
+              <a:spAutoFit/>
+            </a:bodyPr>
+            <a:p>
+              <a:r>
+                <a:rPr lang="en-US" altLang="zh-CN" sz="900">
+                  <a:latin typeface="Times New Roman" panose="02020603050405020304" charset="0"/>
+                  <a:cs typeface="Times New Roman" panose="02020603050405020304" charset="0"/>
+                </a:rPr>
+                <a:t>Start()</a:t>
+              </a:r>
+              <a:endParaRPr lang="en-US" altLang="zh-CN" sz="900">
+                <a:latin typeface="Times New Roman" panose="02020603050405020304" charset="0"/>
+                <a:cs typeface="Times New Roman" panose="02020603050405020304" charset="0"/>
+              </a:endParaRPr>
+            </a:p>
+          </p:txBody>
+        </p:sp>
+      </p:grpSp>
+      <p:sp>
+        <p:nvSpPr>
+          <p:cNvPr id="68" name="文本框 67"/>
+          <p:cNvSpPr txBox="1"/>
+          <p:nvPr/>
+        </p:nvSpPr>
+        <p:spPr>
+          <a:xfrm>
+            <a:off x="1727835" y="2193290"/>
+            <a:ext cx="725170" cy="245110"/>
+          </a:xfrm>
+          <a:prstGeom prst="rect">
+            <a:avLst/>
+          </a:prstGeom>
+          <a:noFill/>
+        </p:spPr>
+        <p:txBody>
+          <a:bodyPr wrap="square" rtlCol="0">
+            <a:spAutoFit/>
+          </a:bodyPr>
+          <a:p>
+            <a:r>
+              <a:rPr lang="zh-CN" altLang="en-US" sz="1000">
+                <a:latin typeface="宋体" panose="02010600030101010101" pitchFamily="2" charset="-122"/>
+                <a:ea typeface="宋体" panose="02010600030101010101" pitchFamily="2" charset="-122"/>
+                <a:cs typeface="宋体" panose="02010600030101010101" pitchFamily="2" charset="-122"/>
+              </a:rPr>
+              <a:t>参与者</a:t>
+            </a:r>
+            <a:r>
+              <a:rPr lang="en-US" altLang="zh-CN" sz="1000">
+                <a:latin typeface="宋体" panose="02010600030101010101" pitchFamily="2" charset="-122"/>
+                <a:ea typeface="宋体" panose="02010600030101010101" pitchFamily="2" charset="-122"/>
+                <a:cs typeface="宋体" panose="02010600030101010101" pitchFamily="2" charset="-122"/>
+              </a:rPr>
+              <a:t>A</a:t>
+            </a:r>
+            <a:endParaRPr lang="en-US" altLang="zh-CN" sz="1000">
+              <a:latin typeface="宋体" panose="02010600030101010101" pitchFamily="2" charset="-122"/>
+              <a:ea typeface="宋体" panose="02010600030101010101" pitchFamily="2" charset="-122"/>
+              <a:cs typeface="宋体" panose="02010600030101010101" pitchFamily="2" charset="-122"/>
+            </a:endParaRPr>
+          </a:p>
+        </p:txBody>
+      </p:sp>
+      <p:sp>
+        <p:nvSpPr>
+          <p:cNvPr id="70" name="文本框 69"/>
+          <p:cNvSpPr txBox="1"/>
+          <p:nvPr/>
+        </p:nvSpPr>
+        <p:spPr>
+          <a:xfrm>
+            <a:off x="4380865" y="2193290"/>
+            <a:ext cx="725170" cy="245110"/>
+          </a:xfrm>
+          <a:prstGeom prst="rect">
+            <a:avLst/>
+          </a:prstGeom>
+          <a:noFill/>
+        </p:spPr>
+        <p:txBody>
+          <a:bodyPr wrap="square" rtlCol="0">
+            <a:spAutoFit/>
+          </a:bodyPr>
+          <a:p>
+            <a:r>
+              <a:rPr lang="zh-CN" altLang="en-US" sz="1000">
+                <a:latin typeface="宋体" panose="02010600030101010101" pitchFamily="2" charset="-122"/>
+                <a:ea typeface="宋体" panose="02010600030101010101" pitchFamily="2" charset="-122"/>
+                <a:cs typeface="宋体" panose="02010600030101010101" pitchFamily="2" charset="-122"/>
+              </a:rPr>
+              <a:t>参与者</a:t>
+            </a:r>
+            <a:r>
+              <a:rPr lang="en-US" altLang="zh-CN" sz="1000">
+                <a:latin typeface="宋体" panose="02010600030101010101" pitchFamily="2" charset="-122"/>
+                <a:ea typeface="宋体" panose="02010600030101010101" pitchFamily="2" charset="-122"/>
+                <a:cs typeface="宋体" panose="02010600030101010101" pitchFamily="2" charset="-122"/>
+              </a:rPr>
+              <a:t>B</a:t>
+            </a:r>
+            <a:endParaRPr lang="en-US" altLang="zh-CN" sz="1000">
+              <a:latin typeface="宋体" panose="02010600030101010101" pitchFamily="2" charset="-122"/>
+              <a:ea typeface="宋体" panose="02010600030101010101" pitchFamily="2" charset="-122"/>
+              <a:cs typeface="宋体" panose="02010600030101010101" pitchFamily="2" charset="-122"/>
+            </a:endParaRPr>
+          </a:p>
+        </p:txBody>
+      </p:sp>
+      <p:cxnSp>
+        <p:nvCxnSpPr>
+          <p:cNvPr id="71" name="肘形连接符 70"/>
+          <p:cNvCxnSpPr>
+            <a:endCxn id="7" idx="1"/>
+          </p:cNvCxnSpPr>
+          <p:nvPr/>
+        </p:nvCxnSpPr>
+        <p:spPr>
+          <a:xfrm rot="5400000" flipV="1">
+            <a:off x="1074420" y="3981450"/>
+            <a:ext cx="650240" cy="247015"/>
+          </a:xfrm>
+          <a:prstGeom prst="bentConnector2">
+            <a:avLst/>
+          </a:prstGeom>
+          <a:ln>
+            <a:solidFill>
+              <a:schemeClr val="tx1"/>
+            </a:solidFill>
+            <a:headEnd type="oval"/>
+            <a:tailEnd type="arrow"/>
+          </a:ln>
+        </p:spPr>
+        <p:style>
+          <a:lnRef idx="2">
+            <a:schemeClr val="accent1"/>
+          </a:lnRef>
+          <a:fillRef idx="0">
+            <a:srgbClr val="FFFFFF"/>
+          </a:fillRef>
+          <a:effectRef idx="0">
+            <a:srgbClr val="FFFFFF"/>
+          </a:effectRef>
+          <a:fontRef idx="minor">
+            <a:schemeClr val="tx1"/>
+          </a:fontRef>
+        </p:style>
+      </p:cxnSp>
+      <p:cxnSp>
+        <p:nvCxnSpPr>
+          <p:cNvPr id="73" name="直接箭头连接符 72"/>
+          <p:cNvCxnSpPr>
+            <a:stCxn id="14" idx="3"/>
+          </p:cNvCxnSpPr>
+          <p:nvPr/>
+        </p:nvCxnSpPr>
+        <p:spPr>
+          <a:xfrm>
+            <a:off x="2910840" y="3092450"/>
+            <a:ext cx="238760" cy="1905"/>
+          </a:xfrm>
+          <a:prstGeom prst="straightConnector1">
+            <a:avLst/>
+          </a:prstGeom>
+          <a:ln>
+            <a:solidFill>
+              <a:schemeClr val="tx1"/>
+            </a:solidFill>
+            <a:headEnd type="oval"/>
+            <a:tailEnd type="arrow"/>
+          </a:ln>
+        </p:spPr>
+        <p:style>
+          <a:lnRef idx="2">
+            <a:schemeClr val="accent1"/>
+          </a:lnRef>
+          <a:fillRef idx="0">
+            <a:srgbClr val="FFFFFF"/>
+          </a:fillRef>
+          <a:effectRef idx="0">
+            <a:srgbClr val="FFFFFF"/>
+          </a:effectRef>
+          <a:fontRef idx="minor">
+            <a:schemeClr val="tx1"/>
+          </a:fontRef>
+        </p:style>
+      </p:cxnSp>
+      <p:cxnSp>
+        <p:nvCxnSpPr>
+          <p:cNvPr id="74" name="肘形连接符 73"/>
+          <p:cNvCxnSpPr>
+            <a:stCxn id="66" idx="3"/>
+            <a:endCxn id="39" idx="1"/>
+          </p:cNvCxnSpPr>
+          <p:nvPr/>
+        </p:nvCxnSpPr>
+        <p:spPr>
+          <a:xfrm>
+            <a:off x="3529965" y="3264535"/>
+            <a:ext cx="1222375" cy="313690"/>
+          </a:xfrm>
+          <a:prstGeom prst="bentConnector3">
+            <a:avLst>
+              <a:gd name="adj1" fmla="val 86129"/>
+            </a:avLst>
+          </a:prstGeom>
+          <a:ln>
+            <a:solidFill>
+              <a:schemeClr val="tx1"/>
+            </a:solidFill>
+            <a:headEnd type="oval"/>
+            <a:tailEnd type="arrow"/>
+          </a:ln>
+        </p:spPr>
+        <p:style>
+          <a:lnRef idx="2">
+            <a:schemeClr val="accent1"/>
+          </a:lnRef>
+          <a:fillRef idx="0">
+            <a:srgbClr val="FFFFFF"/>
+          </a:fillRef>
+          <a:effectRef idx="0">
+            <a:srgbClr val="FFFFFF"/>
+          </a:effectRef>
+          <a:fontRef idx="minor">
+            <a:schemeClr val="tx1"/>
+          </a:fontRef>
+        </p:style>
+      </p:cxnSp>
+      <p:sp>
+        <p:nvSpPr>
+          <p:cNvPr id="75" name="文本框 74"/>
+          <p:cNvSpPr txBox="1"/>
+          <p:nvPr/>
+        </p:nvSpPr>
+        <p:spPr>
+          <a:xfrm>
+            <a:off x="1035050" y="4159250"/>
+            <a:ext cx="213360" cy="245110"/>
+          </a:xfrm>
+          <a:prstGeom prst="rect">
+            <a:avLst/>
+          </a:prstGeom>
+          <a:noFill/>
+        </p:spPr>
+        <p:txBody>
+          <a:bodyPr wrap="square" rtlCol="0">
+            <a:spAutoFit/>
+          </a:bodyPr>
+          <a:p>
+            <a:r>
+              <a:rPr lang="zh-CN" altLang="en-US" sz="1000">
+                <a:latin typeface="Times New Roman" panose="02020603050405020304" charset="0"/>
+                <a:cs typeface="Times New Roman" panose="02020603050405020304" charset="0"/>
+              </a:rPr>
+              <a:t>①</a:t>
+            </a:r>
+            <a:endParaRPr lang="zh-CN" altLang="en-US" sz="1000">
+              <a:latin typeface="Times New Roman" panose="02020603050405020304" charset="0"/>
+              <a:cs typeface="Times New Roman" panose="02020603050405020304" charset="0"/>
+            </a:endParaRPr>
+          </a:p>
+        </p:txBody>
+      </p:sp>
+      <p:sp>
+        <p:nvSpPr>
+          <p:cNvPr id="76" name="文本框 75"/>
+          <p:cNvSpPr txBox="1"/>
+          <p:nvPr/>
+        </p:nvSpPr>
+        <p:spPr>
+          <a:xfrm>
+            <a:off x="2021205" y="3780155"/>
+            <a:ext cx="213360" cy="245110"/>
+          </a:xfrm>
+          <a:prstGeom prst="rect">
+            <a:avLst/>
+          </a:prstGeom>
+          <a:noFill/>
+        </p:spPr>
+        <p:txBody>
+          <a:bodyPr wrap="square" rtlCol="0">
+            <a:spAutoFit/>
+          </a:bodyPr>
+          <a:p>
+            <a:r>
+              <a:rPr lang="zh-CN" altLang="en-US" sz="1000">
+                <a:latin typeface="Times New Roman" panose="02020603050405020304" charset="0"/>
+                <a:cs typeface="Times New Roman" panose="02020603050405020304" charset="0"/>
+              </a:rPr>
+              <a:t>②</a:t>
+            </a:r>
+            <a:endParaRPr lang="zh-CN" altLang="en-US" sz="1000">
+              <a:latin typeface="Times New Roman" panose="02020603050405020304" charset="0"/>
+              <a:cs typeface="Times New Roman" panose="02020603050405020304" charset="0"/>
+            </a:endParaRPr>
+          </a:p>
+        </p:txBody>
+      </p:sp>
+      <p:sp>
+        <p:nvSpPr>
+          <p:cNvPr id="77" name="文本框 76"/>
+          <p:cNvSpPr txBox="1"/>
+          <p:nvPr/>
+        </p:nvSpPr>
+        <p:spPr>
+          <a:xfrm>
+            <a:off x="3134995" y="2693670"/>
+            <a:ext cx="213360" cy="245110"/>
+          </a:xfrm>
+          <a:prstGeom prst="rect">
+            <a:avLst/>
+          </a:prstGeom>
+          <a:noFill/>
+        </p:spPr>
+        <p:txBody>
+          <a:bodyPr wrap="square" rtlCol="0">
+            <a:spAutoFit/>
+          </a:bodyPr>
+          <a:p>
+            <a:r>
+              <a:rPr lang="zh-CN" altLang="en-US" sz="1000">
+                <a:latin typeface="Times New Roman" panose="02020603050405020304" charset="0"/>
+                <a:cs typeface="Times New Roman" panose="02020603050405020304" charset="0"/>
+              </a:rPr>
+              <a:t>③</a:t>
+            </a:r>
+            <a:endParaRPr lang="zh-CN" altLang="en-US" sz="1000">
+              <a:latin typeface="Times New Roman" panose="02020603050405020304" charset="0"/>
+              <a:cs typeface="Times New Roman" panose="02020603050405020304" charset="0"/>
+            </a:endParaRPr>
+          </a:p>
+        </p:txBody>
+      </p:sp>
+      <p:sp>
+        <p:nvSpPr>
+          <p:cNvPr id="78" name="文本框 77"/>
+          <p:cNvSpPr txBox="1"/>
+          <p:nvPr/>
+        </p:nvSpPr>
+        <p:spPr>
+          <a:xfrm>
+            <a:off x="4335145" y="3019425"/>
+            <a:ext cx="213360" cy="245110"/>
+          </a:xfrm>
+          <a:prstGeom prst="rect">
+            <a:avLst/>
+          </a:prstGeom>
+          <a:noFill/>
+        </p:spPr>
+        <p:txBody>
+          <a:bodyPr wrap="square" rtlCol="0">
+            <a:spAutoFit/>
+          </a:bodyPr>
+          <a:p>
+            <a:r>
+              <a:rPr lang="zh-CN" altLang="en-US" sz="1000">
+                <a:latin typeface="Times New Roman" panose="02020603050405020304" charset="0"/>
+                <a:cs typeface="Times New Roman" panose="02020603050405020304" charset="0"/>
+              </a:rPr>
+              <a:t>④</a:t>
+            </a:r>
+            <a:endParaRPr lang="zh-CN" altLang="en-US" sz="1000">
+              <a:latin typeface="Times New Roman" panose="02020603050405020304" charset="0"/>
+              <a:cs typeface="Times New Roman" panose="02020603050405020304" charset="0"/>
+            </a:endParaRPr>
+          </a:p>
+        </p:txBody>
+      </p:sp>
+      <p:sp>
+        <p:nvSpPr>
+          <p:cNvPr id="79" name="文本框 78"/>
+          <p:cNvSpPr txBox="1"/>
+          <p:nvPr/>
+        </p:nvSpPr>
+        <p:spPr>
+          <a:xfrm>
+            <a:off x="5026660" y="3747770"/>
+            <a:ext cx="213360" cy="245110"/>
+          </a:xfrm>
+          <a:prstGeom prst="rect">
+            <a:avLst/>
+          </a:prstGeom>
+          <a:noFill/>
+        </p:spPr>
+        <p:txBody>
+          <a:bodyPr wrap="square" rtlCol="0">
+            <a:spAutoFit/>
+          </a:bodyPr>
+          <a:p>
+            <a:r>
+              <a:rPr lang="zh-CN" altLang="en-US" sz="1000">
+                <a:latin typeface="Times New Roman" panose="02020603050405020304" charset="0"/>
+                <a:cs typeface="Times New Roman" panose="02020603050405020304" charset="0"/>
+              </a:rPr>
+              <a:t>⑤</a:t>
+            </a:r>
+            <a:endParaRPr lang="zh-CN" altLang="en-US" sz="1000">
+              <a:latin typeface="Times New Roman" panose="02020603050405020304" charset="0"/>
+              <a:cs typeface="Times New Roman" panose="02020603050405020304" charset="0"/>
+            </a:endParaRPr>
+          </a:p>
+        </p:txBody>
+      </p:sp>
+      <p:sp>
+        <p:nvSpPr>
+          <p:cNvPr id="80" name="文本框 79"/>
+          <p:cNvSpPr txBox="1"/>
+          <p:nvPr/>
+        </p:nvSpPr>
+        <p:spPr>
+          <a:xfrm>
+            <a:off x="3758565" y="4116070"/>
+            <a:ext cx="213360" cy="245110"/>
+          </a:xfrm>
+          <a:prstGeom prst="rect">
+            <a:avLst/>
+          </a:prstGeom>
+          <a:noFill/>
+        </p:spPr>
+        <p:txBody>
+          <a:bodyPr wrap="square" rtlCol="0">
+            <a:spAutoFit/>
+          </a:bodyPr>
+          <a:p>
+            <a:r>
+              <a:rPr lang="zh-CN" altLang="en-US" sz="1000">
+                <a:latin typeface="Times New Roman" panose="02020603050405020304" charset="0"/>
+                <a:cs typeface="Times New Roman" panose="02020603050405020304" charset="0"/>
+              </a:rPr>
+              <a:t>⑥</a:t>
+            </a:r>
+            <a:endParaRPr lang="zh-CN" altLang="en-US" sz="1000">
+              <a:latin typeface="Times New Roman" panose="02020603050405020304" charset="0"/>
+              <a:cs typeface="Times New Roman" panose="02020603050405020304" charset="0"/>
+            </a:endParaRPr>
+          </a:p>
+        </p:txBody>
+      </p:sp>
+      <p:sp>
+        <p:nvSpPr>
+          <p:cNvPr id="81" name="文本框 80"/>
+          <p:cNvSpPr txBox="1"/>
+          <p:nvPr/>
+        </p:nvSpPr>
+        <p:spPr>
+          <a:xfrm>
+            <a:off x="5330825" y="4681855"/>
+            <a:ext cx="213360" cy="245110"/>
+          </a:xfrm>
+          <a:prstGeom prst="rect">
+            <a:avLst/>
+          </a:prstGeom>
+          <a:noFill/>
+        </p:spPr>
+        <p:txBody>
+          <a:bodyPr wrap="square" rtlCol="0">
+            <a:spAutoFit/>
+          </a:bodyPr>
+          <a:p>
+            <a:r>
+              <a:rPr lang="zh-CN" altLang="en-US" sz="1000">
+                <a:latin typeface="Times New Roman" panose="02020603050405020304" charset="0"/>
+                <a:cs typeface="Times New Roman" panose="02020603050405020304" charset="0"/>
+              </a:rPr>
+              <a:t>⑦</a:t>
+            </a:r>
+            <a:endParaRPr lang="zh-CN" altLang="en-US" sz="1000">
+              <a:latin typeface="Times New Roman" panose="02020603050405020304" charset="0"/>
+              <a:cs typeface="Times New Roman" panose="02020603050405020304" charset="0"/>
+            </a:endParaRPr>
+          </a:p>
+        </p:txBody>
+      </p:sp>
+      <p:sp>
+        <p:nvSpPr>
+          <p:cNvPr id="82" name="文本框 81"/>
+          <p:cNvSpPr txBox="1"/>
+          <p:nvPr/>
+        </p:nvSpPr>
+        <p:spPr>
+          <a:xfrm>
+            <a:off x="3939540" y="3310255"/>
+            <a:ext cx="213360" cy="245110"/>
+          </a:xfrm>
+          <a:prstGeom prst="rect">
+            <a:avLst/>
+          </a:prstGeom>
+          <a:noFill/>
+        </p:spPr>
+        <p:txBody>
+          <a:bodyPr wrap="square" rtlCol="0">
+            <a:spAutoFit/>
+          </a:bodyPr>
+          <a:p>
+            <a:r>
+              <a:rPr lang="zh-CN" altLang="en-US" sz="1000">
+                <a:latin typeface="Times New Roman" panose="02020603050405020304" charset="0"/>
+                <a:cs typeface="Times New Roman" panose="02020603050405020304" charset="0"/>
+              </a:rPr>
+              <a:t>⑧</a:t>
+            </a:r>
+            <a:endParaRPr lang="zh-CN" altLang="en-US" sz="1000">
+              <a:latin typeface="Times New Roman" panose="02020603050405020304" charset="0"/>
+              <a:cs typeface="Times New Roman" panose="02020603050405020304" charset="0"/>
+            </a:endParaRPr>
+          </a:p>
+        </p:txBody>
+      </p:sp>
+    </p:spTree>
+  </p:cSld>
+  <p:clrMapOvr>
+    <a:masterClrMapping/>
+  </p:clrMapOvr>
+</p:sld>
+</file>
+
+<file path=ppt/slides/slide3.xml><?xml version="1.0" encoding="utf-8"?>
+<p:sld xmlns:a="http://schemas.openxmlformats.org/drawingml/2006/main" xmlns:r="http://schemas.openxmlformats.org/officeDocument/2006/relationships" xmlns:p="http://schemas.openxmlformats.org/presentationml/2006/main">
+  <p:cSld>
     <p:spTree>
       <p:nvGrpSpPr>
         <p:cNvPr id="1" name=""/>
@@ -10396,7 +12957,7 @@
 </p:sld>
 </file>
 
-<file path=ppt/slides/slide3.xml><?xml version="1.0" encoding="utf-8"?>
+<file path=ppt/slides/slide4.xml><?xml version="1.0" encoding="utf-8"?>
 <p:sld xmlns:a="http://schemas.openxmlformats.org/drawingml/2006/main" xmlns:r="http://schemas.openxmlformats.org/officeDocument/2006/relationships" xmlns:p="http://schemas.openxmlformats.org/presentationml/2006/main">
   <p:cSld>
     <p:spTree>
@@ -12020,7 +14581,7 @@
 </p:sld>
 </file>
 
-<file path=ppt/slides/slide4.xml><?xml version="1.0" encoding="utf-8"?>
+<file path=ppt/slides/slide5.xml><?xml version="1.0" encoding="utf-8"?>
 <p:sld xmlns:a="http://schemas.openxmlformats.org/drawingml/2006/main" xmlns:r="http://schemas.openxmlformats.org/officeDocument/2006/relationships" xmlns:p="http://schemas.openxmlformats.org/presentationml/2006/main">
   <p:cSld>
     <p:spTree>
@@ -16131,7 +18692,7 @@
 </p:sld>
 </file>
 
-<file path=ppt/slides/slide5.xml><?xml version="1.0" encoding="utf-8"?>
+<file path=ppt/slides/slide6.xml><?xml version="1.0" encoding="utf-8"?>
 <p:sld xmlns:a="http://schemas.openxmlformats.org/drawingml/2006/main" xmlns:r="http://schemas.openxmlformats.org/officeDocument/2006/relationships" xmlns:p="http://schemas.openxmlformats.org/presentationml/2006/main">
   <p:cSld>
     <p:spTree>

--- a/paper/图表(2).pptx
+++ b/paper/图表(2).pptx
@@ -8525,6 +8525,129 @@
             <a:endParaRPr lang="zh-CN" altLang="en-US" sz="1000">
               <a:latin typeface="Times New Roman" panose="02020603050405020304" charset="0"/>
               <a:cs typeface="Times New Roman" panose="02020603050405020304" charset="0"/>
+            </a:endParaRPr>
+          </a:p>
+        </p:txBody>
+      </p:sp>
+      <p:pic>
+        <p:nvPicPr>
+          <p:cNvPr id="103" name="图片 102"/>
+          <p:cNvPicPr/>
+          <p:nvPr/>
+        </p:nvPicPr>
+        <p:blipFill>
+          <a:blip r:embed="rId1"/>
+          <a:stretch>
+            <a:fillRect/>
+          </a:stretch>
+        </p:blipFill>
+        <p:spPr>
+          <a:xfrm>
+            <a:off x="1112203" y="5747385"/>
+            <a:ext cx="1438275" cy="1571625"/>
+          </a:xfrm>
+          <a:prstGeom prst="rect">
+            <a:avLst/>
+          </a:prstGeom>
+          <a:noFill/>
+          <a:ln w="9525">
+            <a:noFill/>
+          </a:ln>
+        </p:spPr>
+      </p:pic>
+      <p:pic>
+        <p:nvPicPr>
+          <p:cNvPr id="104" name="图片 103"/>
+          <p:cNvPicPr/>
+          <p:nvPr/>
+        </p:nvPicPr>
+        <p:blipFill>
+          <a:blip r:embed="rId2"/>
+          <a:stretch>
+            <a:fillRect/>
+          </a:stretch>
+        </p:blipFill>
+        <p:spPr>
+          <a:xfrm>
+            <a:off x="2520633" y="5833745"/>
+            <a:ext cx="1447800" cy="1476375"/>
+          </a:xfrm>
+          <a:prstGeom prst="rect">
+            <a:avLst/>
+          </a:prstGeom>
+          <a:noFill/>
+          <a:ln w="9525">
+            <a:noFill/>
+          </a:ln>
+        </p:spPr>
+      </p:pic>
+      <p:pic>
+        <p:nvPicPr>
+          <p:cNvPr id="105" name="图片 104"/>
+          <p:cNvPicPr/>
+          <p:nvPr/>
+        </p:nvPicPr>
+        <p:blipFill>
+          <a:blip r:embed="rId3"/>
+          <a:stretch>
+            <a:fillRect/>
+          </a:stretch>
+        </p:blipFill>
+        <p:spPr>
+          <a:xfrm>
+            <a:off x="3921443" y="5854700"/>
+            <a:ext cx="1600200" cy="1466850"/>
+          </a:xfrm>
+          <a:prstGeom prst="rect">
+            <a:avLst/>
+          </a:prstGeom>
+          <a:noFill/>
+          <a:ln w="9525">
+            <a:noFill/>
+          </a:ln>
+        </p:spPr>
+      </p:pic>
+      <p:sp>
+        <p:nvSpPr>
+          <p:cNvPr id="2" name="文本框 1"/>
+          <p:cNvSpPr txBox="1"/>
+          <p:nvPr/>
+        </p:nvSpPr>
+        <p:spPr>
+          <a:xfrm>
+            <a:off x="1374140" y="7321550"/>
+            <a:ext cx="1407160" cy="245110"/>
+          </a:xfrm>
+          <a:prstGeom prst="rect">
+            <a:avLst/>
+          </a:prstGeom>
+          <a:noFill/>
+        </p:spPr>
+        <p:txBody>
+          <a:bodyPr wrap="square" rtlCol="0">
+            <a:spAutoFit/>
+          </a:bodyPr>
+          <a:p>
+            <a:r>
+              <a:rPr lang="en-US" altLang="zh-CN" sz="1000">
+                <a:latin typeface="Times New Roman" panose="02020603050405020304" charset="0"/>
+                <a:ea typeface="宋体" panose="02010600030101010101" pitchFamily="2" charset="-122"/>
+                <a:cs typeface="Times New Roman" panose="02020603050405020304" charset="0"/>
+              </a:rPr>
+              <a:t>(a)</a:t>
+            </a:r>
+            <a:r>
+              <a:rPr lang="zh-CN" altLang="en-US" sz="1000">
+                <a:latin typeface="宋体" panose="02010600030101010101" pitchFamily="2" charset="-122"/>
+                <a:ea typeface="宋体" panose="02010600030101010101" pitchFamily="2" charset="-122"/>
+                <a:cs typeface="宋体" panose="02010600030101010101" pitchFamily="2" charset="-122"/>
+              </a:rPr>
+              <a:t>签名者初始化算法</a:t>
+            </a:r>
+            <a:endParaRPr lang="zh-CN" altLang="en-US" sz="1000">
+              <a:latin typeface="宋体" panose="02010600030101010101" pitchFamily="2" charset="-122"/>
+              <a:ea typeface="宋体" panose="02010600030101010101" pitchFamily="2" charset="-122"/>
+              <a:cs typeface="宋体" panose="02010600030101010101" pitchFamily="2" charset="-122"/>
             </a:endParaRPr>
           </a:p>
         </p:txBody>

--- a/paper/图表(2).pptx
+++ b/paper/图表(2).pptx
@@ -19,7 +19,7 @@
   <p:sldSz cx="6858000" cy="9903460" type="A4"/>
   <p:notesSz cx="6858000" cy="9144000"/>
   <p:custDataLst>
-    <p:tags r:id="rId16"/>
+    <p:tags r:id="rId17"/>
   </p:custDataLst>
   <p:defaultTextStyle>
     <a:defPPr>
@@ -117,6 +117,21 @@
     </a:lvl9pPr>
   </p:defaultTextStyle>
 </p:presentation>
+</file>
+
+<file path=ppt/commentAuthors.xml><?xml version="1.0" encoding="utf-8"?>
+<p:cmAuthorLst xmlns:a="http://schemas.openxmlformats.org/drawingml/2006/main" xmlns:r="http://schemas.openxmlformats.org/officeDocument/2006/relationships" xmlns:p="http://schemas.openxmlformats.org/presentationml/2006/main">
+  <p:cmAuthor id="1" name="win10" initials="w" lastIdx="1" clrIdx="0"/>
+</p:cmAuthorLst>
+</file>
+
+<file path=ppt/comments/comment1.xml><?xml version="1.0" encoding="utf-8"?>
+<p:cmLst xmlns:a="http://schemas.openxmlformats.org/drawingml/2006/main" xmlns:r="http://schemas.openxmlformats.org/officeDocument/2006/relationships" xmlns:p="http://schemas.openxmlformats.org/presentationml/2006/main">
+  <p:cm authorId="1" dt="2024-03-30T23:15:19.249" idx="1">
+    <p:pos x="10" y="10"/>
+    <p:text/>
+  </p:cm>
+</p:cmLst>
 </file>
 
 <file path=ppt/slideLayouts/slideLayout1.xml><?xml version="1.0" encoding="utf-8"?>
@@ -25787,6 +25802,135 @@
       <p:grpSpPr/>
       <p:grpSp>
         <p:nvGrpSpPr>
+          <p:cNvPr id="76" name="组合 75"/>
+          <p:cNvGrpSpPr/>
+          <p:nvPr/>
+        </p:nvGrpSpPr>
+        <p:grpSpPr>
+          <a:xfrm rot="0">
+            <a:off x="758825" y="548005"/>
+            <a:ext cx="995680" cy="3324860"/>
+            <a:chOff x="1000" y="863"/>
+            <a:chExt cx="1568" cy="5236"/>
+          </a:xfrm>
+        </p:grpSpPr>
+        <p:sp>
+          <p:nvSpPr>
+            <p:cNvPr id="77" name="矩形 76"/>
+            <p:cNvSpPr/>
+            <p:nvPr>
+              <p:custDataLst>
+                <p:tags r:id="rId1"/>
+              </p:custDataLst>
+            </p:nvPr>
+          </p:nvSpPr>
+          <p:spPr>
+            <a:xfrm>
+              <a:off x="1000" y="863"/>
+              <a:ext cx="1568" cy="620"/>
+            </a:xfrm>
+            <a:prstGeom prst="rect">
+              <a:avLst/>
+            </a:prstGeom>
+            <a:solidFill>
+              <a:schemeClr val="accent1">
+                <a:lumMod val="20000"/>
+                <a:lumOff val="80000"/>
+              </a:schemeClr>
+            </a:solidFill>
+            <a:ln w="6350">
+              <a:solidFill>
+                <a:schemeClr val="tx1"/>
+              </a:solidFill>
+            </a:ln>
+          </p:spPr>
+          <p:style>
+            <a:lnRef idx="2">
+              <a:schemeClr val="accent1">
+                <a:lumMod val="75000"/>
+              </a:schemeClr>
+            </a:lnRef>
+            <a:fillRef idx="1">
+              <a:schemeClr val="accent1"/>
+            </a:fillRef>
+            <a:effectRef idx="0">
+              <a:srgbClr val="FFFFFF"/>
+            </a:effectRef>
+            <a:fontRef idx="minor">
+              <a:schemeClr val="lt1"/>
+            </a:fontRef>
+          </p:style>
+          <p:txBody>
+            <a:bodyPr rtlCol="0" anchor="ctr"/>
+            <a:p>
+              <a:pPr algn="ctr"/>
+              <a:r>
+                <a:rPr lang="en-US" altLang="zh-CN" sz="1000" i="1">
+                  <a:solidFill>
+                    <a:schemeClr val="tx1"/>
+                  </a:solidFill>
+                  <a:latin typeface="Times New Roman" panose="02020603050405020304" charset="0"/>
+                  <a:ea typeface="宋体" panose="02010600030101010101" pitchFamily="2" charset="-122"/>
+                  <a:cs typeface="Times New Roman" panose="02020603050405020304" charset="0"/>
+                </a:rPr>
+                <a:t>R</a:t>
+              </a:r>
+              <a:endParaRPr lang="en-US" altLang="zh-CN" sz="1000" i="1" baseline="-25000">
+                <a:solidFill>
+                  <a:schemeClr val="tx1"/>
+                </a:solidFill>
+                <a:latin typeface="Times New Roman" panose="02020603050405020304" charset="0"/>
+                <a:ea typeface="宋体" panose="02010600030101010101" pitchFamily="2" charset="-122"/>
+                <a:cs typeface="Times New Roman" panose="02020603050405020304" charset="0"/>
+              </a:endParaRPr>
+            </a:p>
+          </p:txBody>
+        </p:sp>
+        <p:cxnSp>
+          <p:nvCxnSpPr>
+            <p:cNvPr id="78" name="直接连接符 77"/>
+            <p:cNvCxnSpPr>
+              <a:stCxn id="77" idx="2"/>
+            </p:cNvCxnSpPr>
+            <p:nvPr>
+              <p:custDataLst>
+                <p:tags r:id="rId2"/>
+              </p:custDataLst>
+            </p:nvPr>
+          </p:nvCxnSpPr>
+          <p:spPr>
+            <a:xfrm>
+              <a:off x="1784" y="1483"/>
+              <a:ext cx="0" cy="4616"/>
+            </a:xfrm>
+            <a:prstGeom prst="line">
+              <a:avLst/>
+            </a:prstGeom>
+            <a:ln w="12700" cmpd="sng">
+              <a:solidFill>
+                <a:schemeClr val="tx1"/>
+              </a:solidFill>
+              <a:prstDash val="sysDot"/>
+            </a:ln>
+          </p:spPr>
+          <p:style>
+            <a:lnRef idx="2">
+              <a:schemeClr val="accent1"/>
+            </a:lnRef>
+            <a:fillRef idx="0">
+              <a:srgbClr val="FFFFFF"/>
+            </a:fillRef>
+            <a:effectRef idx="0">
+              <a:srgbClr val="FFFFFF"/>
+            </a:effectRef>
+            <a:fontRef idx="minor">
+              <a:schemeClr val="tx1"/>
+            </a:fontRef>
+          </p:style>
+        </p:cxnSp>
+      </p:grpSp>
+      <p:grpSp>
+        <p:nvGrpSpPr>
           <p:cNvPr id="17" name="组合 16"/>
           <p:cNvGrpSpPr/>
           <p:nvPr/>
@@ -26326,12 +26470,12 @@
           <a:graphicData uri="http://schemas.openxmlformats.org/presentationml/2006/ole">
             <mc:AlternateContent xmlns:mc="http://schemas.openxmlformats.org/markup-compatibility/2006">
               <mc:Choice xmlns:v="urn:schemas-microsoft-com:vml" Requires="v">
-                <p:oleObj spid="_x0000_s3076" name="" r:id="rId1" imgW="127000" imgH="139700" progId="Equation.KSEE3">
+                <p:oleObj spid="_x0000_s3076" name="" r:id="rId3" imgW="127000" imgH="139700" progId="Equation.KSEE3">
                   <p:embed/>
                 </p:oleObj>
               </mc:Choice>
               <mc:Fallback>
-                <p:oleObj name="" r:id="rId1" imgW="127000" imgH="139700" progId="Equation.KSEE3">
+                <p:oleObj name="" r:id="rId3" imgW="127000" imgH="139700" progId="Equation.KSEE3">
                   <p:embed/>
                   <p:pic>
                     <p:nvPicPr>
@@ -26340,7 +26484,7 @@
                       <p:nvPr/>
                     </p:nvPicPr>
                     <p:blipFill>
-                      <a:blip r:embed="rId2"/>
+                      <a:blip r:embed="rId4"/>
                       <a:stretch>
                         <a:fillRect/>
                       </a:stretch>
@@ -26446,12 +26590,12 @@
             <a:graphicData uri="http://schemas.openxmlformats.org/presentationml/2006/ole">
               <mc:AlternateContent xmlns:mc="http://schemas.openxmlformats.org/markup-compatibility/2006">
                 <mc:Choice xmlns:v="urn:schemas-microsoft-com:vml" Requires="v">
-                  <p:oleObj spid="_x0000_s13" name="" r:id="rId3" imgW="431800" imgH="228600" progId="Equation.KSEE3">
+                  <p:oleObj spid="_x0000_s13" name="" r:id="rId5" imgW="431800" imgH="228600" progId="Equation.KSEE3">
                     <p:embed/>
                   </p:oleObj>
                 </mc:Choice>
                 <mc:Fallback>
-                  <p:oleObj name="" r:id="rId3" imgW="431800" imgH="228600" progId="Equation.KSEE3">
+                  <p:oleObj name="" r:id="rId5" imgW="431800" imgH="228600" progId="Equation.KSEE3">
                     <p:embed/>
                     <p:pic>
                       <p:nvPicPr>
@@ -26460,7 +26604,7 @@
                         <p:nvPr/>
                       </p:nvPicPr>
                       <p:blipFill>
-                        <a:blip r:embed="rId4"/>
+                        <a:blip r:embed="rId6"/>
                         <a:stretch>
                           <a:fillRect/>
                         </a:stretch>
@@ -26582,12 +26726,12 @@
           <a:graphicData uri="http://schemas.openxmlformats.org/presentationml/2006/ole">
             <mc:AlternateContent xmlns:mc="http://schemas.openxmlformats.org/markup-compatibility/2006">
               <mc:Choice xmlns:v="urn:schemas-microsoft-com:vml" Requires="v">
-                <p:oleObj spid="_x0000_s28" name="" r:id="rId5" imgW="533400" imgH="228600" progId="Equation.KSEE3">
+                <p:oleObj spid="_x0000_s28" name="" r:id="rId7" imgW="533400" imgH="228600" progId="Equation.KSEE3">
                   <p:embed/>
                 </p:oleObj>
               </mc:Choice>
               <mc:Fallback>
-                <p:oleObj name="" r:id="rId5" imgW="533400" imgH="228600" progId="Equation.KSEE3">
+                <p:oleObj name="" r:id="rId7" imgW="533400" imgH="228600" progId="Equation.KSEE3">
                   <p:embed/>
                   <p:pic>
                     <p:nvPicPr>
@@ -26596,7 +26740,7 @@
                       <p:nvPr/>
                     </p:nvPicPr>
                     <p:blipFill>
-                      <a:blip r:embed="rId6"/>
+                      <a:blip r:embed="rId8"/>
                       <a:stretch>
                         <a:fillRect/>
                       </a:stretch>
@@ -26756,12 +26900,12 @@
           <a:graphicData uri="http://schemas.openxmlformats.org/presentationml/2006/ole">
             <mc:AlternateContent xmlns:mc="http://schemas.openxmlformats.org/markup-compatibility/2006">
               <mc:Choice xmlns:v="urn:schemas-microsoft-com:vml" Requires="v">
-                <p:oleObj spid="_x0000_s1029" name="" r:id="rId7" imgW="152400" imgH="215900" progId="Equation.KSEE3">
+                <p:oleObj spid="_x0000_s1029" name="" r:id="rId9" imgW="152400" imgH="215900" progId="Equation.KSEE3">
                   <p:embed/>
                 </p:oleObj>
               </mc:Choice>
               <mc:Fallback>
-                <p:oleObj name="" r:id="rId7" imgW="152400" imgH="215900" progId="Equation.KSEE3">
+                <p:oleObj name="" r:id="rId9" imgW="152400" imgH="215900" progId="Equation.KSEE3">
                   <p:embed/>
                   <p:pic>
                     <p:nvPicPr>
@@ -26770,7 +26914,7 @@
                       <p:nvPr/>
                     </p:nvPicPr>
                     <p:blipFill>
-                      <a:blip r:embed="rId8"/>
+                      <a:blip r:embed="rId10"/>
                       <a:stretch>
                         <a:fillRect/>
                       </a:stretch>
@@ -26809,12 +26953,12 @@
           <a:graphicData uri="http://schemas.openxmlformats.org/presentationml/2006/ole">
             <mc:AlternateContent xmlns:mc="http://schemas.openxmlformats.org/markup-compatibility/2006">
               <mc:Choice xmlns:v="urn:schemas-microsoft-com:vml" Requires="v">
-                <p:oleObj spid="_x0000_s4" name="" r:id="rId9" imgW="165100" imgH="215900" progId="Equation.KSEE3">
+                <p:oleObj spid="_x0000_s4" name="" r:id="rId11" imgW="165100" imgH="215900" progId="Equation.KSEE3">
                   <p:embed/>
                 </p:oleObj>
               </mc:Choice>
               <mc:Fallback>
-                <p:oleObj name="" r:id="rId9" imgW="165100" imgH="215900" progId="Equation.KSEE3">
+                <p:oleObj name="" r:id="rId11" imgW="165100" imgH="215900" progId="Equation.KSEE3">
                   <p:embed/>
                   <p:pic>
                     <p:nvPicPr>
@@ -26823,7 +26967,7 @@
                       <p:nvPr/>
                     </p:nvPicPr>
                     <p:blipFill>
-                      <a:blip r:embed="rId10"/>
+                      <a:blip r:embed="rId12"/>
                       <a:stretch>
                         <a:fillRect/>
                       </a:stretch>
@@ -26862,12 +27006,12 @@
           <a:graphicData uri="http://schemas.openxmlformats.org/presentationml/2006/ole">
             <mc:AlternateContent xmlns:mc="http://schemas.openxmlformats.org/markup-compatibility/2006">
               <mc:Choice xmlns:v="urn:schemas-microsoft-com:vml" Requires="v">
-                <p:oleObj spid="_x0000_s39" name="" r:id="rId11" imgW="165100" imgH="215900" progId="Equation.KSEE3">
+                <p:oleObj spid="_x0000_s39" name="" r:id="rId13" imgW="165100" imgH="215900" progId="Equation.KSEE3">
                   <p:embed/>
                 </p:oleObj>
               </mc:Choice>
               <mc:Fallback>
-                <p:oleObj name="" r:id="rId11" imgW="165100" imgH="215900" progId="Equation.KSEE3">
+                <p:oleObj name="" r:id="rId13" imgW="165100" imgH="215900" progId="Equation.KSEE3">
                   <p:embed/>
                   <p:pic>
                     <p:nvPicPr>
@@ -26876,7 +27020,7 @@
                       <p:nvPr/>
                     </p:nvPicPr>
                     <p:blipFill>
-                      <a:blip r:embed="rId12"/>
+                      <a:blip r:embed="rId14"/>
                       <a:stretch>
                         <a:fillRect/>
                       </a:stretch>
@@ -27191,12 +27335,12 @@
           <a:graphicData uri="http://schemas.openxmlformats.org/presentationml/2006/ole">
             <mc:AlternateContent xmlns:mc="http://schemas.openxmlformats.org/markup-compatibility/2006">
               <mc:Choice xmlns:v="urn:schemas-microsoft-com:vml" Requires="v">
-                <p:oleObj spid="_x0000_s1031" name="" r:id="rId13" imgW="405765" imgH="215900" progId="Equation.KSEE3">
+                <p:oleObj spid="_x0000_s1031" name="" r:id="rId15" imgW="405765" imgH="215900" progId="Equation.KSEE3">
                   <p:embed/>
                 </p:oleObj>
               </mc:Choice>
               <mc:Fallback>
-                <p:oleObj name="" r:id="rId13" imgW="405765" imgH="215900" progId="Equation.KSEE3">
+                <p:oleObj name="" r:id="rId15" imgW="405765" imgH="215900" progId="Equation.KSEE3">
                   <p:embed/>
                   <p:pic>
                     <p:nvPicPr>
@@ -27205,7 +27349,7 @@
                       <p:nvPr/>
                     </p:nvPicPr>
                     <p:blipFill>
-                      <a:blip r:embed="rId14"/>
+                      <a:blip r:embed="rId16"/>
                       <a:stretch>
                         <a:fillRect/>
                       </a:stretch>
@@ -27244,12 +27388,12 @@
           <a:graphicData uri="http://schemas.openxmlformats.org/presentationml/2006/ole">
             <mc:AlternateContent xmlns:mc="http://schemas.openxmlformats.org/markup-compatibility/2006">
               <mc:Choice xmlns:v="urn:schemas-microsoft-com:vml" Requires="v">
-                <p:oleObj spid="_x0000_s5" name="" r:id="rId15" imgW="419100" imgH="215900" progId="Equation.KSEE3">
+                <p:oleObj spid="_x0000_s5" name="" r:id="rId17" imgW="419100" imgH="215900" progId="Equation.KSEE3">
                   <p:embed/>
                 </p:oleObj>
               </mc:Choice>
               <mc:Fallback>
-                <p:oleObj name="" r:id="rId15" imgW="419100" imgH="215900" progId="Equation.KSEE3">
+                <p:oleObj name="" r:id="rId17" imgW="419100" imgH="215900" progId="Equation.KSEE3">
                   <p:embed/>
                   <p:pic>
                     <p:nvPicPr>
@@ -27258,7 +27402,7 @@
                       <p:nvPr/>
                     </p:nvPicPr>
                     <p:blipFill>
-                      <a:blip r:embed="rId16"/>
+                      <a:blip r:embed="rId18"/>
                       <a:stretch>
                         <a:fillRect/>
                       </a:stretch>
@@ -27297,12 +27441,12 @@
           <a:graphicData uri="http://schemas.openxmlformats.org/presentationml/2006/ole">
             <mc:AlternateContent xmlns:mc="http://schemas.openxmlformats.org/markup-compatibility/2006">
               <mc:Choice xmlns:v="urn:schemas-microsoft-com:vml" Requires="v">
-                <p:oleObj spid="_x0000_s80" name="" r:id="rId17" imgW="419100" imgH="228600" progId="Equation.KSEE3">
+                <p:oleObj spid="_x0000_s80" name="" r:id="rId19" imgW="419100" imgH="228600" progId="Equation.KSEE3">
                   <p:embed/>
                 </p:oleObj>
               </mc:Choice>
               <mc:Fallback>
-                <p:oleObj name="" r:id="rId17" imgW="419100" imgH="228600" progId="Equation.KSEE3">
+                <p:oleObj name="" r:id="rId19" imgW="419100" imgH="228600" progId="Equation.KSEE3">
                   <p:embed/>
                   <p:pic>
                     <p:nvPicPr>
@@ -27311,7 +27455,7 @@
                       <p:nvPr/>
                     </p:nvPicPr>
                     <p:blipFill>
-                      <a:blip r:embed="rId18"/>
+                      <a:blip r:embed="rId20"/>
                       <a:stretch>
                         <a:fillRect/>
                       </a:stretch>
@@ -27392,12 +27536,12 @@
           <a:graphicData uri="http://schemas.openxmlformats.org/presentationml/2006/ole">
             <mc:AlternateContent xmlns:mc="http://schemas.openxmlformats.org/markup-compatibility/2006">
               <mc:Choice xmlns:v="urn:schemas-microsoft-com:vml" Requires="v">
-                <p:oleObj spid="_x0000_s12" name="" r:id="rId19" imgW="571500" imgH="901700" progId="Equation.KSEE3">
+                <p:oleObj spid="_x0000_s12" name="" r:id="rId21" imgW="571500" imgH="901700" progId="Equation.KSEE3">
                   <p:embed/>
                 </p:oleObj>
               </mc:Choice>
               <mc:Fallback>
-                <p:oleObj name="" r:id="rId19" imgW="571500" imgH="901700" progId="Equation.KSEE3">
+                <p:oleObj name="" r:id="rId21" imgW="571500" imgH="901700" progId="Equation.KSEE3">
                   <p:embed/>
                   <p:pic>
                     <p:nvPicPr>
@@ -27406,7 +27550,7 @@
                       <p:nvPr/>
                     </p:nvPicPr>
                     <p:blipFill>
-                      <a:blip r:embed="rId20"/>
+                      <a:blip r:embed="rId22"/>
                       <a:stretch>
                         <a:fillRect/>
                       </a:stretch>
@@ -34812,7 +34956,19 @@
 
 <file path=ppt/tags/tag1.xml><?xml version="1.0" encoding="utf-8"?>
 <p:tagLst xmlns:p="http://schemas.openxmlformats.org/presentationml/2006/main">
-  <p:tag name="commondata" val="eyJoZGlkIjoiY2I3ZDBiZTkzOTQ4ZmE2MzcyMzBiZTdmNmFjZGE5M2EifQ=="/>
+  <p:tag name="KSO_WM_BEAUTIFY_FLAG" val=""/>
+</p:tagLst>
+</file>
+
+<file path=ppt/tags/tag2.xml><?xml version="1.0" encoding="utf-8"?>
+<p:tagLst xmlns:p="http://schemas.openxmlformats.org/presentationml/2006/main">
+  <p:tag name="KSO_WM_BEAUTIFY_FLAG" val=""/>
+</p:tagLst>
+</file>
+
+<file path=ppt/tags/tag3.xml><?xml version="1.0" encoding="utf-8"?>
+<p:tagLst xmlns:p="http://schemas.openxmlformats.org/presentationml/2006/main">
+  <p:tag name="commondata" val="eyJoZGlkIjoiY2FmMjQwYmY1NTk0MmQ0OThiMjZmNzcxZmJiOTBjMjAifQ=="/>
   <p:tag name="FULLTEXTBEAUTIFYED" val="1"/>
 </p:tagLst>
 </file>
